--- a/docpac_mar04/WeeklyReview.pptx
+++ b/docpac_mar04/WeeklyReview.pptx
@@ -1127,7 +1127,7 @@
           <a:p>
             <a:fld id="{158B72E8-B12F-4F24-84EA-C15599633662}" type="datetimeFigureOut">
               <a:rPr lang="en-US" smtClean="0"/>
-              <a:t>2/28/2022</a:t>
+              <a:t>2/27/2022</a:t>
             </a:fld>
             <a:endParaRPr lang="en-US"/>
           </a:p>
@@ -1325,7 +1325,7 @@
           <a:p>
             <a:fld id="{158B72E8-B12F-4F24-84EA-C15599633662}" type="datetimeFigureOut">
               <a:rPr lang="en-US" smtClean="0"/>
-              <a:t>2/28/2022</a:t>
+              <a:t>2/27/2022</a:t>
             </a:fld>
             <a:endParaRPr lang="en-US"/>
           </a:p>
@@ -1533,7 +1533,7 @@
           <a:p>
             <a:fld id="{158B72E8-B12F-4F24-84EA-C15599633662}" type="datetimeFigureOut">
               <a:rPr lang="en-US" smtClean="0"/>
-              <a:t>2/28/2022</a:t>
+              <a:t>2/27/2022</a:t>
             </a:fld>
             <a:endParaRPr lang="en-US"/>
           </a:p>
@@ -1731,7 +1731,7 @@
           <a:p>
             <a:fld id="{158B72E8-B12F-4F24-84EA-C15599633662}" type="datetimeFigureOut">
               <a:rPr lang="en-US" smtClean="0"/>
-              <a:t>2/28/2022</a:t>
+              <a:t>2/27/2022</a:t>
             </a:fld>
             <a:endParaRPr lang="en-US"/>
           </a:p>
@@ -2006,7 +2006,7 @@
           <a:p>
             <a:fld id="{158B72E8-B12F-4F24-84EA-C15599633662}" type="datetimeFigureOut">
               <a:rPr lang="en-US" smtClean="0"/>
-              <a:t>2/28/2022</a:t>
+              <a:t>2/27/2022</a:t>
             </a:fld>
             <a:endParaRPr lang="en-US"/>
           </a:p>
@@ -2271,7 +2271,7 @@
           <a:p>
             <a:fld id="{158B72E8-B12F-4F24-84EA-C15599633662}" type="datetimeFigureOut">
               <a:rPr lang="en-US" smtClean="0"/>
-              <a:t>2/28/2022</a:t>
+              <a:t>2/27/2022</a:t>
             </a:fld>
             <a:endParaRPr lang="en-US"/>
           </a:p>
@@ -2683,7 +2683,7 @@
           <a:p>
             <a:fld id="{158B72E8-B12F-4F24-84EA-C15599633662}" type="datetimeFigureOut">
               <a:rPr lang="en-US" smtClean="0"/>
-              <a:t>2/28/2022</a:t>
+              <a:t>2/27/2022</a:t>
             </a:fld>
             <a:endParaRPr lang="en-US"/>
           </a:p>
@@ -2824,7 +2824,7 @@
           <a:p>
             <a:fld id="{158B72E8-B12F-4F24-84EA-C15599633662}" type="datetimeFigureOut">
               <a:rPr lang="en-US" smtClean="0"/>
-              <a:t>2/28/2022</a:t>
+              <a:t>2/27/2022</a:t>
             </a:fld>
             <a:endParaRPr lang="en-US"/>
           </a:p>
@@ -2937,7 +2937,7 @@
           <a:p>
             <a:fld id="{158B72E8-B12F-4F24-84EA-C15599633662}" type="datetimeFigureOut">
               <a:rPr lang="en-US" smtClean="0"/>
-              <a:t>2/28/2022</a:t>
+              <a:t>2/27/2022</a:t>
             </a:fld>
             <a:endParaRPr lang="en-US"/>
           </a:p>
@@ -3248,7 +3248,7 @@
           <a:p>
             <a:fld id="{158B72E8-B12F-4F24-84EA-C15599633662}" type="datetimeFigureOut">
               <a:rPr lang="en-US" smtClean="0"/>
-              <a:t>2/28/2022</a:t>
+              <a:t>2/27/2022</a:t>
             </a:fld>
             <a:endParaRPr lang="en-US"/>
           </a:p>
@@ -3536,7 +3536,7 @@
           <a:p>
             <a:fld id="{158B72E8-B12F-4F24-84EA-C15599633662}" type="datetimeFigureOut">
               <a:rPr lang="en-US" smtClean="0"/>
-              <a:t>2/28/2022</a:t>
+              <a:t>2/27/2022</a:t>
             </a:fld>
             <a:endParaRPr lang="en-US"/>
           </a:p>
@@ -3777,7 +3777,7 @@
           <a:p>
             <a:fld id="{158B72E8-B12F-4F24-84EA-C15599633662}" type="datetimeFigureOut">
               <a:rPr lang="en-US" smtClean="0"/>
-              <a:t>2/28/2022</a:t>
+              <a:t>2/27/2022</a:t>
             </a:fld>
             <a:endParaRPr lang="en-US"/>
           </a:p>
@@ -9917,297 +9917,6 @@
   <p:clrMapOvr>
     <a:masterClrMapping/>
   </p:clrMapOvr>
-  <p:timing>
-    <p:tnLst>
-      <p:par>
-        <p:cTn id="1" dur="indefinite" restart="never" nodeType="tmRoot">
-          <p:childTnLst>
-            <p:seq concurrent="1" nextAc="seek">
-              <p:cTn id="2" dur="indefinite" nodeType="mainSeq">
-                <p:childTnLst>
-                  <p:par>
-                    <p:cTn id="3" fill="hold">
-                      <p:stCondLst>
-                        <p:cond delay="indefinite"/>
-                      </p:stCondLst>
-                      <p:childTnLst>
-                        <p:par>
-                          <p:cTn id="4" fill="hold">
-                            <p:stCondLst>
-                              <p:cond delay="0"/>
-                            </p:stCondLst>
-                            <p:childTnLst>
-                              <p:par>
-                                <p:cTn id="5" presetID="1" presetClass="entr" presetSubtype="0" fill="hold" grpId="0" nodeType="clickEffect">
-                                  <p:stCondLst>
-                                    <p:cond delay="0"/>
-                                  </p:stCondLst>
-                                  <p:childTnLst>
-                                    <p:set>
-                                      <p:cBhvr>
-                                        <p:cTn id="6" dur="1" fill="hold">
-                                          <p:stCondLst>
-                                            <p:cond delay="0"/>
-                                          </p:stCondLst>
-                                        </p:cTn>
-                                        <p:tgtEl>
-                                          <p:spTgt spid="3">
-                                            <p:txEl>
-                                              <p:pRg st="0" end="0"/>
-                                            </p:txEl>
-                                          </p:spTgt>
-                                        </p:tgtEl>
-                                        <p:attrNameLst>
-                                          <p:attrName>style.visibility</p:attrName>
-                                        </p:attrNameLst>
-                                      </p:cBhvr>
-                                      <p:to>
-                                        <p:strVal val="visible"/>
-                                      </p:to>
-                                    </p:set>
-                                  </p:childTnLst>
-                                </p:cTn>
-                              </p:par>
-                            </p:childTnLst>
-                          </p:cTn>
-                        </p:par>
-                      </p:childTnLst>
-                    </p:cTn>
-                  </p:par>
-                  <p:par>
-                    <p:cTn id="7" fill="hold">
-                      <p:stCondLst>
-                        <p:cond delay="indefinite"/>
-                      </p:stCondLst>
-                      <p:childTnLst>
-                        <p:par>
-                          <p:cTn id="8" fill="hold">
-                            <p:stCondLst>
-                              <p:cond delay="0"/>
-                            </p:stCondLst>
-                            <p:childTnLst>
-                              <p:par>
-                                <p:cTn id="9" presetID="1" presetClass="entr" presetSubtype="0" fill="hold" grpId="0" nodeType="clickEffect">
-                                  <p:stCondLst>
-                                    <p:cond delay="0"/>
-                                  </p:stCondLst>
-                                  <p:childTnLst>
-                                    <p:set>
-                                      <p:cBhvr>
-                                        <p:cTn id="10" dur="1" fill="hold">
-                                          <p:stCondLst>
-                                            <p:cond delay="0"/>
-                                          </p:stCondLst>
-                                        </p:cTn>
-                                        <p:tgtEl>
-                                          <p:spTgt spid="3">
-                                            <p:txEl>
-                                              <p:pRg st="1" end="1"/>
-                                            </p:txEl>
-                                          </p:spTgt>
-                                        </p:tgtEl>
-                                        <p:attrNameLst>
-                                          <p:attrName>style.visibility</p:attrName>
-                                        </p:attrNameLst>
-                                      </p:cBhvr>
-                                      <p:to>
-                                        <p:strVal val="visible"/>
-                                      </p:to>
-                                    </p:set>
-                                  </p:childTnLst>
-                                </p:cTn>
-                              </p:par>
-                            </p:childTnLst>
-                          </p:cTn>
-                        </p:par>
-                      </p:childTnLst>
-                    </p:cTn>
-                  </p:par>
-                  <p:par>
-                    <p:cTn id="11" fill="hold">
-                      <p:stCondLst>
-                        <p:cond delay="indefinite"/>
-                      </p:stCondLst>
-                      <p:childTnLst>
-                        <p:par>
-                          <p:cTn id="12" fill="hold">
-                            <p:stCondLst>
-                              <p:cond delay="0"/>
-                            </p:stCondLst>
-                            <p:childTnLst>
-                              <p:par>
-                                <p:cTn id="13" presetID="1" presetClass="entr" presetSubtype="0" fill="hold" grpId="0" nodeType="clickEffect">
-                                  <p:stCondLst>
-                                    <p:cond delay="0"/>
-                                  </p:stCondLst>
-                                  <p:childTnLst>
-                                    <p:set>
-                                      <p:cBhvr>
-                                        <p:cTn id="14" dur="1" fill="hold">
-                                          <p:stCondLst>
-                                            <p:cond delay="0"/>
-                                          </p:stCondLst>
-                                        </p:cTn>
-                                        <p:tgtEl>
-                                          <p:spTgt spid="3">
-                                            <p:txEl>
-                                              <p:pRg st="2" end="2"/>
-                                            </p:txEl>
-                                          </p:spTgt>
-                                        </p:tgtEl>
-                                        <p:attrNameLst>
-                                          <p:attrName>style.visibility</p:attrName>
-                                        </p:attrNameLst>
-                                      </p:cBhvr>
-                                      <p:to>
-                                        <p:strVal val="visible"/>
-                                      </p:to>
-                                    </p:set>
-                                  </p:childTnLst>
-                                </p:cTn>
-                              </p:par>
-                            </p:childTnLst>
-                          </p:cTn>
-                        </p:par>
-                      </p:childTnLst>
-                    </p:cTn>
-                  </p:par>
-                  <p:par>
-                    <p:cTn id="15" fill="hold">
-                      <p:stCondLst>
-                        <p:cond delay="indefinite"/>
-                      </p:stCondLst>
-                      <p:childTnLst>
-                        <p:par>
-                          <p:cTn id="16" fill="hold">
-                            <p:stCondLst>
-                              <p:cond delay="0"/>
-                            </p:stCondLst>
-                            <p:childTnLst>
-                              <p:par>
-                                <p:cTn id="17" presetID="1" presetClass="entr" presetSubtype="0" fill="hold" grpId="0" nodeType="clickEffect">
-                                  <p:stCondLst>
-                                    <p:cond delay="0"/>
-                                  </p:stCondLst>
-                                  <p:childTnLst>
-                                    <p:set>
-                                      <p:cBhvr>
-                                        <p:cTn id="18" dur="1" fill="hold">
-                                          <p:stCondLst>
-                                            <p:cond delay="0"/>
-                                          </p:stCondLst>
-                                        </p:cTn>
-                                        <p:tgtEl>
-                                          <p:spTgt spid="3">
-                                            <p:txEl>
-                                              <p:pRg st="3" end="3"/>
-                                            </p:txEl>
-                                          </p:spTgt>
-                                        </p:tgtEl>
-                                        <p:attrNameLst>
-                                          <p:attrName>style.visibility</p:attrName>
-                                        </p:attrNameLst>
-                                      </p:cBhvr>
-                                      <p:to>
-                                        <p:strVal val="visible"/>
-                                      </p:to>
-                                    </p:set>
-                                  </p:childTnLst>
-                                </p:cTn>
-                              </p:par>
-                              <p:par>
-                                <p:cTn id="19" presetID="1" presetClass="entr" presetSubtype="0" fill="hold" grpId="0" nodeType="withEffect">
-                                  <p:stCondLst>
-                                    <p:cond delay="0"/>
-                                  </p:stCondLst>
-                                  <p:childTnLst>
-                                    <p:set>
-                                      <p:cBhvr>
-                                        <p:cTn id="20" dur="1" fill="hold">
-                                          <p:stCondLst>
-                                            <p:cond delay="0"/>
-                                          </p:stCondLst>
-                                        </p:cTn>
-                                        <p:tgtEl>
-                                          <p:spTgt spid="3">
-                                            <p:txEl>
-                                              <p:pRg st="4" end="4"/>
-                                            </p:txEl>
-                                          </p:spTgt>
-                                        </p:tgtEl>
-                                        <p:attrNameLst>
-                                          <p:attrName>style.visibility</p:attrName>
-                                        </p:attrNameLst>
-                                      </p:cBhvr>
-                                      <p:to>
-                                        <p:strVal val="visible"/>
-                                      </p:to>
-                                    </p:set>
-                                  </p:childTnLst>
-                                </p:cTn>
-                              </p:par>
-                              <p:par>
-                                <p:cTn id="21" presetID="1" presetClass="entr" presetSubtype="0" fill="hold" grpId="0" nodeType="withEffect">
-                                  <p:stCondLst>
-                                    <p:cond delay="0"/>
-                                  </p:stCondLst>
-                                  <p:childTnLst>
-                                    <p:set>
-                                      <p:cBhvr>
-                                        <p:cTn id="22" dur="1" fill="hold">
-                                          <p:stCondLst>
-                                            <p:cond delay="0"/>
-                                          </p:stCondLst>
-                                        </p:cTn>
-                                        <p:tgtEl>
-                                          <p:spTgt spid="3">
-                                            <p:txEl>
-                                              <p:pRg st="5" end="5"/>
-                                            </p:txEl>
-                                          </p:spTgt>
-                                        </p:tgtEl>
-                                        <p:attrNameLst>
-                                          <p:attrName>style.visibility</p:attrName>
-                                        </p:attrNameLst>
-                                      </p:cBhvr>
-                                      <p:to>
-                                        <p:strVal val="visible"/>
-                                      </p:to>
-                                    </p:set>
-                                  </p:childTnLst>
-                                </p:cTn>
-                              </p:par>
-                            </p:childTnLst>
-                          </p:cTn>
-                        </p:par>
-                      </p:childTnLst>
-                    </p:cTn>
-                  </p:par>
-                </p:childTnLst>
-              </p:cTn>
-              <p:prevCondLst>
-                <p:cond evt="onPrev" delay="0">
-                  <p:tgtEl>
-                    <p:sldTgt/>
-                  </p:tgtEl>
-                </p:cond>
-              </p:prevCondLst>
-              <p:nextCondLst>
-                <p:cond evt="onNext" delay="0">
-                  <p:tgtEl>
-                    <p:sldTgt/>
-                  </p:tgtEl>
-                </p:cond>
-              </p:nextCondLst>
-            </p:seq>
-          </p:childTnLst>
-        </p:cTn>
-      </p:par>
-    </p:tnLst>
-    <p:bldLst>
-      <p:bldP spid="3" grpId="0" build="p"/>
-    </p:bldLst>
-  </p:timing>
 </p:sld>
 </file>
 
@@ -10318,284 +10027,6 @@
   <p:clrMapOvr>
     <a:masterClrMapping/>
   </p:clrMapOvr>
-  <p:timing>
-    <p:tnLst>
-      <p:par>
-        <p:cTn id="1" dur="indefinite" restart="never" nodeType="tmRoot">
-          <p:childTnLst>
-            <p:seq concurrent="1" nextAc="seek">
-              <p:cTn id="2" dur="indefinite" nodeType="mainSeq">
-                <p:childTnLst>
-                  <p:par>
-                    <p:cTn id="3" fill="hold">
-                      <p:stCondLst>
-                        <p:cond delay="indefinite"/>
-                      </p:stCondLst>
-                      <p:childTnLst>
-                        <p:par>
-                          <p:cTn id="4" fill="hold">
-                            <p:stCondLst>
-                              <p:cond delay="0"/>
-                            </p:stCondLst>
-                            <p:childTnLst>
-                              <p:par>
-                                <p:cTn id="5" presetID="1" presetClass="entr" presetSubtype="0" fill="hold" grpId="0" nodeType="clickEffect">
-                                  <p:stCondLst>
-                                    <p:cond delay="0"/>
-                                  </p:stCondLst>
-                                  <p:childTnLst>
-                                    <p:set>
-                                      <p:cBhvr>
-                                        <p:cTn id="6" dur="1" fill="hold">
-                                          <p:stCondLst>
-                                            <p:cond delay="0"/>
-                                          </p:stCondLst>
-                                        </p:cTn>
-                                        <p:tgtEl>
-                                          <p:spTgt spid="3">
-                                            <p:txEl>
-                                              <p:pRg st="0" end="0"/>
-                                            </p:txEl>
-                                          </p:spTgt>
-                                        </p:tgtEl>
-                                        <p:attrNameLst>
-                                          <p:attrName>style.visibility</p:attrName>
-                                        </p:attrNameLst>
-                                      </p:cBhvr>
-                                      <p:to>
-                                        <p:strVal val="visible"/>
-                                      </p:to>
-                                    </p:set>
-                                  </p:childTnLst>
-                                </p:cTn>
-                              </p:par>
-                            </p:childTnLst>
-                          </p:cTn>
-                        </p:par>
-                      </p:childTnLst>
-                    </p:cTn>
-                  </p:par>
-                  <p:par>
-                    <p:cTn id="7" fill="hold">
-                      <p:stCondLst>
-                        <p:cond delay="indefinite"/>
-                      </p:stCondLst>
-                      <p:childTnLst>
-                        <p:par>
-                          <p:cTn id="8" fill="hold">
-                            <p:stCondLst>
-                              <p:cond delay="0"/>
-                            </p:stCondLst>
-                            <p:childTnLst>
-                              <p:par>
-                                <p:cTn id="9" presetID="1" presetClass="entr" presetSubtype="0" fill="hold" grpId="0" nodeType="clickEffect">
-                                  <p:stCondLst>
-                                    <p:cond delay="0"/>
-                                  </p:stCondLst>
-                                  <p:childTnLst>
-                                    <p:set>
-                                      <p:cBhvr>
-                                        <p:cTn id="10" dur="1" fill="hold">
-                                          <p:stCondLst>
-                                            <p:cond delay="0"/>
-                                          </p:stCondLst>
-                                        </p:cTn>
-                                        <p:tgtEl>
-                                          <p:spTgt spid="3">
-                                            <p:txEl>
-                                              <p:pRg st="1" end="1"/>
-                                            </p:txEl>
-                                          </p:spTgt>
-                                        </p:tgtEl>
-                                        <p:attrNameLst>
-                                          <p:attrName>style.visibility</p:attrName>
-                                        </p:attrNameLst>
-                                      </p:cBhvr>
-                                      <p:to>
-                                        <p:strVal val="visible"/>
-                                      </p:to>
-                                    </p:set>
-                                  </p:childTnLst>
-                                </p:cTn>
-                              </p:par>
-                            </p:childTnLst>
-                          </p:cTn>
-                        </p:par>
-                      </p:childTnLst>
-                    </p:cTn>
-                  </p:par>
-                  <p:par>
-                    <p:cTn id="11" fill="hold">
-                      <p:stCondLst>
-                        <p:cond delay="indefinite"/>
-                      </p:stCondLst>
-                      <p:childTnLst>
-                        <p:par>
-                          <p:cTn id="12" fill="hold">
-                            <p:stCondLst>
-                              <p:cond delay="0"/>
-                            </p:stCondLst>
-                            <p:childTnLst>
-                              <p:par>
-                                <p:cTn id="13" presetID="1" presetClass="entr" presetSubtype="0" fill="hold" grpId="0" nodeType="clickEffect">
-                                  <p:stCondLst>
-                                    <p:cond delay="0"/>
-                                  </p:stCondLst>
-                                  <p:childTnLst>
-                                    <p:set>
-                                      <p:cBhvr>
-                                        <p:cTn id="14" dur="1" fill="hold">
-                                          <p:stCondLst>
-                                            <p:cond delay="0"/>
-                                          </p:stCondLst>
-                                        </p:cTn>
-                                        <p:tgtEl>
-                                          <p:spTgt spid="3">
-                                            <p:txEl>
-                                              <p:pRg st="2" end="2"/>
-                                            </p:txEl>
-                                          </p:spTgt>
-                                        </p:tgtEl>
-                                        <p:attrNameLst>
-                                          <p:attrName>style.visibility</p:attrName>
-                                        </p:attrNameLst>
-                                      </p:cBhvr>
-                                      <p:to>
-                                        <p:strVal val="visible"/>
-                                      </p:to>
-                                    </p:set>
-                                  </p:childTnLst>
-                                </p:cTn>
-                              </p:par>
-                            </p:childTnLst>
-                          </p:cTn>
-                        </p:par>
-                      </p:childTnLst>
-                    </p:cTn>
-                  </p:par>
-                  <p:par>
-                    <p:cTn id="15" fill="hold">
-                      <p:stCondLst>
-                        <p:cond delay="indefinite"/>
-                      </p:stCondLst>
-                      <p:childTnLst>
-                        <p:par>
-                          <p:cTn id="16" fill="hold">
-                            <p:stCondLst>
-                              <p:cond delay="0"/>
-                            </p:stCondLst>
-                            <p:childTnLst>
-                              <p:par>
-                                <p:cTn id="17" presetID="1" presetClass="entr" presetSubtype="0" fill="hold" grpId="0" nodeType="clickEffect">
-                                  <p:stCondLst>
-                                    <p:cond delay="0"/>
-                                  </p:stCondLst>
-                                  <p:childTnLst>
-                                    <p:set>
-                                      <p:cBhvr>
-                                        <p:cTn id="18" dur="1" fill="hold">
-                                          <p:stCondLst>
-                                            <p:cond delay="0"/>
-                                          </p:stCondLst>
-                                        </p:cTn>
-                                        <p:tgtEl>
-                                          <p:spTgt spid="3">
-                                            <p:txEl>
-                                              <p:pRg st="3" end="3"/>
-                                            </p:txEl>
-                                          </p:spTgt>
-                                        </p:tgtEl>
-                                        <p:attrNameLst>
-                                          <p:attrName>style.visibility</p:attrName>
-                                        </p:attrNameLst>
-                                      </p:cBhvr>
-                                      <p:to>
-                                        <p:strVal val="visible"/>
-                                      </p:to>
-                                    </p:set>
-                                  </p:childTnLst>
-                                </p:cTn>
-                              </p:par>
-                            </p:childTnLst>
-                          </p:cTn>
-                        </p:par>
-                      </p:childTnLst>
-                    </p:cTn>
-                  </p:par>
-                  <p:par>
-                    <p:cTn id="19" fill="hold">
-                      <p:stCondLst>
-                        <p:cond delay="indefinite"/>
-                      </p:stCondLst>
-                      <p:childTnLst>
-                        <p:par>
-                          <p:cTn id="20" fill="hold">
-                            <p:stCondLst>
-                              <p:cond delay="0"/>
-                            </p:stCondLst>
-                            <p:childTnLst>
-                              <p:par>
-                                <p:cTn id="21" presetID="1" presetClass="entr" presetSubtype="0" fill="hold" grpId="0" nodeType="clickEffect">
-                                  <p:stCondLst>
-                                    <p:cond delay="0"/>
-                                  </p:stCondLst>
-                                  <p:childTnLst>
-                                    <p:set>
-                                      <p:cBhvr>
-                                        <p:cTn id="22" dur="1" fill="hold">
-                                          <p:stCondLst>
-                                            <p:cond delay="0"/>
-                                          </p:stCondLst>
-                                        </p:cTn>
-                                        <p:tgtEl>
-                                          <p:spTgt spid="3">
-                                            <p:txEl>
-                                              <p:pRg st="4" end="4"/>
-                                            </p:txEl>
-                                          </p:spTgt>
-                                        </p:tgtEl>
-                                        <p:attrNameLst>
-                                          <p:attrName>style.visibility</p:attrName>
-                                        </p:attrNameLst>
-                                      </p:cBhvr>
-                                      <p:to>
-                                        <p:strVal val="visible"/>
-                                      </p:to>
-                                    </p:set>
-                                  </p:childTnLst>
-                                </p:cTn>
-                              </p:par>
-                            </p:childTnLst>
-                          </p:cTn>
-                        </p:par>
-                      </p:childTnLst>
-                    </p:cTn>
-                  </p:par>
-                </p:childTnLst>
-              </p:cTn>
-              <p:prevCondLst>
-                <p:cond evt="onPrev" delay="0">
-                  <p:tgtEl>
-                    <p:sldTgt/>
-                  </p:tgtEl>
-                </p:cond>
-              </p:prevCondLst>
-              <p:nextCondLst>
-                <p:cond evt="onNext" delay="0">
-                  <p:tgtEl>
-                    <p:sldTgt/>
-                  </p:tgtEl>
-                </p:cond>
-              </p:nextCondLst>
-            </p:seq>
-          </p:childTnLst>
-        </p:cTn>
-      </p:par>
-    </p:tnLst>
-    <p:bldLst>
-      <p:bldP spid="3" grpId="0" build="p"/>
-    </p:bldLst>
-  </p:timing>
 </p:sld>
 </file>
 
@@ -10795,333 +10226,6 @@
   <p:clrMapOvr>
     <a:masterClrMapping/>
   </p:clrMapOvr>
-  <p:timing>
-    <p:tnLst>
-      <p:par>
-        <p:cTn id="1" dur="indefinite" restart="never" nodeType="tmRoot">
-          <p:childTnLst>
-            <p:seq concurrent="1" nextAc="seek">
-              <p:cTn id="2" dur="indefinite" nodeType="mainSeq">
-                <p:childTnLst>
-                  <p:par>
-                    <p:cTn id="3" fill="hold">
-                      <p:stCondLst>
-                        <p:cond delay="indefinite"/>
-                      </p:stCondLst>
-                      <p:childTnLst>
-                        <p:par>
-                          <p:cTn id="4" fill="hold">
-                            <p:stCondLst>
-                              <p:cond delay="0"/>
-                            </p:stCondLst>
-                            <p:childTnLst>
-                              <p:par>
-                                <p:cTn id="5" presetID="1" presetClass="entr" presetSubtype="0" fill="hold" grpId="0" nodeType="clickEffect">
-                                  <p:stCondLst>
-                                    <p:cond delay="0"/>
-                                  </p:stCondLst>
-                                  <p:childTnLst>
-                                    <p:set>
-                                      <p:cBhvr>
-                                        <p:cTn id="6" dur="1" fill="hold">
-                                          <p:stCondLst>
-                                            <p:cond delay="0"/>
-                                          </p:stCondLst>
-                                        </p:cTn>
-                                        <p:tgtEl>
-                                          <p:spTgt spid="3">
-                                            <p:txEl>
-                                              <p:pRg st="0" end="0"/>
-                                            </p:txEl>
-                                          </p:spTgt>
-                                        </p:tgtEl>
-                                        <p:attrNameLst>
-                                          <p:attrName>style.visibility</p:attrName>
-                                        </p:attrNameLst>
-                                      </p:cBhvr>
-                                      <p:to>
-                                        <p:strVal val="visible"/>
-                                      </p:to>
-                                    </p:set>
-                                  </p:childTnLst>
-                                </p:cTn>
-                              </p:par>
-                            </p:childTnLst>
-                          </p:cTn>
-                        </p:par>
-                      </p:childTnLst>
-                    </p:cTn>
-                  </p:par>
-                  <p:par>
-                    <p:cTn id="7" fill="hold">
-                      <p:stCondLst>
-                        <p:cond delay="indefinite"/>
-                      </p:stCondLst>
-                      <p:childTnLst>
-                        <p:par>
-                          <p:cTn id="8" fill="hold">
-                            <p:stCondLst>
-                              <p:cond delay="0"/>
-                            </p:stCondLst>
-                            <p:childTnLst>
-                              <p:par>
-                                <p:cTn id="9" presetID="1" presetClass="entr" presetSubtype="0" fill="hold" grpId="0" nodeType="clickEffect">
-                                  <p:stCondLst>
-                                    <p:cond delay="0"/>
-                                  </p:stCondLst>
-                                  <p:childTnLst>
-                                    <p:set>
-                                      <p:cBhvr>
-                                        <p:cTn id="10" dur="1" fill="hold">
-                                          <p:stCondLst>
-                                            <p:cond delay="0"/>
-                                          </p:stCondLst>
-                                        </p:cTn>
-                                        <p:tgtEl>
-                                          <p:spTgt spid="3">
-                                            <p:txEl>
-                                              <p:pRg st="1" end="1"/>
-                                            </p:txEl>
-                                          </p:spTgt>
-                                        </p:tgtEl>
-                                        <p:attrNameLst>
-                                          <p:attrName>style.visibility</p:attrName>
-                                        </p:attrNameLst>
-                                      </p:cBhvr>
-                                      <p:to>
-                                        <p:strVal val="visible"/>
-                                      </p:to>
-                                    </p:set>
-                                  </p:childTnLst>
-                                </p:cTn>
-                              </p:par>
-                            </p:childTnLst>
-                          </p:cTn>
-                        </p:par>
-                      </p:childTnLst>
-                    </p:cTn>
-                  </p:par>
-                  <p:par>
-                    <p:cTn id="11" fill="hold">
-                      <p:stCondLst>
-                        <p:cond delay="indefinite"/>
-                      </p:stCondLst>
-                      <p:childTnLst>
-                        <p:par>
-                          <p:cTn id="12" fill="hold">
-                            <p:stCondLst>
-                              <p:cond delay="0"/>
-                            </p:stCondLst>
-                            <p:childTnLst>
-                              <p:par>
-                                <p:cTn id="13" presetID="1" presetClass="entr" presetSubtype="0" fill="hold" grpId="0" nodeType="clickEffect">
-                                  <p:stCondLst>
-                                    <p:cond delay="0"/>
-                                  </p:stCondLst>
-                                  <p:childTnLst>
-                                    <p:set>
-                                      <p:cBhvr>
-                                        <p:cTn id="14" dur="1" fill="hold">
-                                          <p:stCondLst>
-                                            <p:cond delay="0"/>
-                                          </p:stCondLst>
-                                        </p:cTn>
-                                        <p:tgtEl>
-                                          <p:spTgt spid="3">
-                                            <p:txEl>
-                                              <p:pRg st="2" end="2"/>
-                                            </p:txEl>
-                                          </p:spTgt>
-                                        </p:tgtEl>
-                                        <p:attrNameLst>
-                                          <p:attrName>style.visibility</p:attrName>
-                                        </p:attrNameLst>
-                                      </p:cBhvr>
-                                      <p:to>
-                                        <p:strVal val="visible"/>
-                                      </p:to>
-                                    </p:set>
-                                  </p:childTnLst>
-                                </p:cTn>
-                              </p:par>
-                            </p:childTnLst>
-                          </p:cTn>
-                        </p:par>
-                      </p:childTnLst>
-                    </p:cTn>
-                  </p:par>
-                  <p:par>
-                    <p:cTn id="15" fill="hold">
-                      <p:stCondLst>
-                        <p:cond delay="indefinite"/>
-                      </p:stCondLst>
-                      <p:childTnLst>
-                        <p:par>
-                          <p:cTn id="16" fill="hold">
-                            <p:stCondLst>
-                              <p:cond delay="0"/>
-                            </p:stCondLst>
-                            <p:childTnLst>
-                              <p:par>
-                                <p:cTn id="17" presetID="1" presetClass="entr" presetSubtype="0" fill="hold" grpId="0" nodeType="clickEffect">
-                                  <p:stCondLst>
-                                    <p:cond delay="0"/>
-                                  </p:stCondLst>
-                                  <p:childTnLst>
-                                    <p:set>
-                                      <p:cBhvr>
-                                        <p:cTn id="18" dur="1" fill="hold">
-                                          <p:stCondLst>
-                                            <p:cond delay="0"/>
-                                          </p:stCondLst>
-                                        </p:cTn>
-                                        <p:tgtEl>
-                                          <p:spTgt spid="3">
-                                            <p:txEl>
-                                              <p:pRg st="3" end="3"/>
-                                            </p:txEl>
-                                          </p:spTgt>
-                                        </p:tgtEl>
-                                        <p:attrNameLst>
-                                          <p:attrName>style.visibility</p:attrName>
-                                        </p:attrNameLst>
-                                      </p:cBhvr>
-                                      <p:to>
-                                        <p:strVal val="visible"/>
-                                      </p:to>
-                                    </p:set>
-                                  </p:childTnLst>
-                                </p:cTn>
-                              </p:par>
-                            </p:childTnLst>
-                          </p:cTn>
-                        </p:par>
-                      </p:childTnLst>
-                    </p:cTn>
-                  </p:par>
-                  <p:par>
-                    <p:cTn id="19" fill="hold">
-                      <p:stCondLst>
-                        <p:cond delay="indefinite"/>
-                      </p:stCondLst>
-                      <p:childTnLst>
-                        <p:par>
-                          <p:cTn id="20" fill="hold">
-                            <p:stCondLst>
-                              <p:cond delay="0"/>
-                            </p:stCondLst>
-                            <p:childTnLst>
-                              <p:par>
-                                <p:cTn id="21" presetID="1" presetClass="entr" presetSubtype="0" fill="hold" grpId="0" nodeType="clickEffect">
-                                  <p:stCondLst>
-                                    <p:cond delay="0"/>
-                                  </p:stCondLst>
-                                  <p:childTnLst>
-                                    <p:set>
-                                      <p:cBhvr>
-                                        <p:cTn id="22" dur="1" fill="hold">
-                                          <p:stCondLst>
-                                            <p:cond delay="0"/>
-                                          </p:stCondLst>
-                                        </p:cTn>
-                                        <p:tgtEl>
-                                          <p:spTgt spid="3">
-                                            <p:txEl>
-                                              <p:pRg st="4" end="4"/>
-                                            </p:txEl>
-                                          </p:spTgt>
-                                        </p:tgtEl>
-                                        <p:attrNameLst>
-                                          <p:attrName>style.visibility</p:attrName>
-                                        </p:attrNameLst>
-                                      </p:cBhvr>
-                                      <p:to>
-                                        <p:strVal val="visible"/>
-                                      </p:to>
-                                    </p:set>
-                                  </p:childTnLst>
-                                </p:cTn>
-                              </p:par>
-                            </p:childTnLst>
-                          </p:cTn>
-                        </p:par>
-                      </p:childTnLst>
-                    </p:cTn>
-                  </p:par>
-                  <p:par>
-                    <p:cTn id="23" fill="hold">
-                      <p:stCondLst>
-                        <p:cond delay="indefinite"/>
-                      </p:stCondLst>
-                      <p:childTnLst>
-                        <p:par>
-                          <p:cTn id="24" fill="hold">
-                            <p:stCondLst>
-                              <p:cond delay="0"/>
-                            </p:stCondLst>
-                            <p:childTnLst>
-                              <p:par>
-                                <p:cTn id="25" presetID="1" presetClass="entr" presetSubtype="0" fill="hold" grpId="0" nodeType="clickEffect">
-                                  <p:stCondLst>
-                                    <p:cond delay="0"/>
-                                  </p:stCondLst>
-                                  <p:childTnLst>
-                                    <p:set>
-                                      <p:cBhvr>
-                                        <p:cTn id="26" dur="1" fill="hold">
-                                          <p:stCondLst>
-                                            <p:cond delay="0"/>
-                                          </p:stCondLst>
-                                        </p:cTn>
-                                        <p:tgtEl>
-                                          <p:spTgt spid="3">
-                                            <p:txEl>
-                                              <p:pRg st="5" end="5"/>
-                                            </p:txEl>
-                                          </p:spTgt>
-                                        </p:tgtEl>
-                                        <p:attrNameLst>
-                                          <p:attrName>style.visibility</p:attrName>
-                                        </p:attrNameLst>
-                                      </p:cBhvr>
-                                      <p:to>
-                                        <p:strVal val="visible"/>
-                                      </p:to>
-                                    </p:set>
-                                  </p:childTnLst>
-                                </p:cTn>
-                              </p:par>
-                            </p:childTnLst>
-                          </p:cTn>
-                        </p:par>
-                      </p:childTnLst>
-                    </p:cTn>
-                  </p:par>
-                </p:childTnLst>
-              </p:cTn>
-              <p:prevCondLst>
-                <p:cond evt="onPrev" delay="0">
-                  <p:tgtEl>
-                    <p:sldTgt/>
-                  </p:tgtEl>
-                </p:cond>
-              </p:prevCondLst>
-              <p:nextCondLst>
-                <p:cond evt="onNext" delay="0">
-                  <p:tgtEl>
-                    <p:sldTgt/>
-                  </p:tgtEl>
-                </p:cond>
-              </p:nextCondLst>
-            </p:seq>
-          </p:childTnLst>
-        </p:cTn>
-      </p:par>
-    </p:tnLst>
-    <p:bldLst>
-      <p:bldP spid="3" grpId="0" build="p"/>
-    </p:bldLst>
-  </p:timing>
 </p:sld>
 </file>
 
@@ -11232,284 +10336,6 @@
   <p:clrMapOvr>
     <a:masterClrMapping/>
   </p:clrMapOvr>
-  <p:timing>
-    <p:tnLst>
-      <p:par>
-        <p:cTn id="1" dur="indefinite" restart="never" nodeType="tmRoot">
-          <p:childTnLst>
-            <p:seq concurrent="1" nextAc="seek">
-              <p:cTn id="2" dur="indefinite" nodeType="mainSeq">
-                <p:childTnLst>
-                  <p:par>
-                    <p:cTn id="3" fill="hold">
-                      <p:stCondLst>
-                        <p:cond delay="indefinite"/>
-                      </p:stCondLst>
-                      <p:childTnLst>
-                        <p:par>
-                          <p:cTn id="4" fill="hold">
-                            <p:stCondLst>
-                              <p:cond delay="0"/>
-                            </p:stCondLst>
-                            <p:childTnLst>
-                              <p:par>
-                                <p:cTn id="5" presetID="1" presetClass="entr" presetSubtype="0" fill="hold" grpId="0" nodeType="clickEffect">
-                                  <p:stCondLst>
-                                    <p:cond delay="0"/>
-                                  </p:stCondLst>
-                                  <p:childTnLst>
-                                    <p:set>
-                                      <p:cBhvr>
-                                        <p:cTn id="6" dur="1" fill="hold">
-                                          <p:stCondLst>
-                                            <p:cond delay="0"/>
-                                          </p:stCondLst>
-                                        </p:cTn>
-                                        <p:tgtEl>
-                                          <p:spTgt spid="3">
-                                            <p:txEl>
-                                              <p:pRg st="0" end="0"/>
-                                            </p:txEl>
-                                          </p:spTgt>
-                                        </p:tgtEl>
-                                        <p:attrNameLst>
-                                          <p:attrName>style.visibility</p:attrName>
-                                        </p:attrNameLst>
-                                      </p:cBhvr>
-                                      <p:to>
-                                        <p:strVal val="visible"/>
-                                      </p:to>
-                                    </p:set>
-                                  </p:childTnLst>
-                                </p:cTn>
-                              </p:par>
-                            </p:childTnLst>
-                          </p:cTn>
-                        </p:par>
-                      </p:childTnLst>
-                    </p:cTn>
-                  </p:par>
-                  <p:par>
-                    <p:cTn id="7" fill="hold">
-                      <p:stCondLst>
-                        <p:cond delay="indefinite"/>
-                      </p:stCondLst>
-                      <p:childTnLst>
-                        <p:par>
-                          <p:cTn id="8" fill="hold">
-                            <p:stCondLst>
-                              <p:cond delay="0"/>
-                            </p:stCondLst>
-                            <p:childTnLst>
-                              <p:par>
-                                <p:cTn id="9" presetID="1" presetClass="entr" presetSubtype="0" fill="hold" grpId="0" nodeType="clickEffect">
-                                  <p:stCondLst>
-                                    <p:cond delay="0"/>
-                                  </p:stCondLst>
-                                  <p:childTnLst>
-                                    <p:set>
-                                      <p:cBhvr>
-                                        <p:cTn id="10" dur="1" fill="hold">
-                                          <p:stCondLst>
-                                            <p:cond delay="0"/>
-                                          </p:stCondLst>
-                                        </p:cTn>
-                                        <p:tgtEl>
-                                          <p:spTgt spid="3">
-                                            <p:txEl>
-                                              <p:pRg st="1" end="1"/>
-                                            </p:txEl>
-                                          </p:spTgt>
-                                        </p:tgtEl>
-                                        <p:attrNameLst>
-                                          <p:attrName>style.visibility</p:attrName>
-                                        </p:attrNameLst>
-                                      </p:cBhvr>
-                                      <p:to>
-                                        <p:strVal val="visible"/>
-                                      </p:to>
-                                    </p:set>
-                                  </p:childTnLst>
-                                </p:cTn>
-                              </p:par>
-                            </p:childTnLst>
-                          </p:cTn>
-                        </p:par>
-                      </p:childTnLst>
-                    </p:cTn>
-                  </p:par>
-                  <p:par>
-                    <p:cTn id="11" fill="hold">
-                      <p:stCondLst>
-                        <p:cond delay="indefinite"/>
-                      </p:stCondLst>
-                      <p:childTnLst>
-                        <p:par>
-                          <p:cTn id="12" fill="hold">
-                            <p:stCondLst>
-                              <p:cond delay="0"/>
-                            </p:stCondLst>
-                            <p:childTnLst>
-                              <p:par>
-                                <p:cTn id="13" presetID="1" presetClass="entr" presetSubtype="0" fill="hold" grpId="0" nodeType="clickEffect">
-                                  <p:stCondLst>
-                                    <p:cond delay="0"/>
-                                  </p:stCondLst>
-                                  <p:childTnLst>
-                                    <p:set>
-                                      <p:cBhvr>
-                                        <p:cTn id="14" dur="1" fill="hold">
-                                          <p:stCondLst>
-                                            <p:cond delay="0"/>
-                                          </p:stCondLst>
-                                        </p:cTn>
-                                        <p:tgtEl>
-                                          <p:spTgt spid="3">
-                                            <p:txEl>
-                                              <p:pRg st="2" end="2"/>
-                                            </p:txEl>
-                                          </p:spTgt>
-                                        </p:tgtEl>
-                                        <p:attrNameLst>
-                                          <p:attrName>style.visibility</p:attrName>
-                                        </p:attrNameLst>
-                                      </p:cBhvr>
-                                      <p:to>
-                                        <p:strVal val="visible"/>
-                                      </p:to>
-                                    </p:set>
-                                  </p:childTnLst>
-                                </p:cTn>
-                              </p:par>
-                            </p:childTnLst>
-                          </p:cTn>
-                        </p:par>
-                      </p:childTnLst>
-                    </p:cTn>
-                  </p:par>
-                  <p:par>
-                    <p:cTn id="15" fill="hold">
-                      <p:stCondLst>
-                        <p:cond delay="indefinite"/>
-                      </p:stCondLst>
-                      <p:childTnLst>
-                        <p:par>
-                          <p:cTn id="16" fill="hold">
-                            <p:stCondLst>
-                              <p:cond delay="0"/>
-                            </p:stCondLst>
-                            <p:childTnLst>
-                              <p:par>
-                                <p:cTn id="17" presetID="1" presetClass="entr" presetSubtype="0" fill="hold" grpId="0" nodeType="clickEffect">
-                                  <p:stCondLst>
-                                    <p:cond delay="0"/>
-                                  </p:stCondLst>
-                                  <p:childTnLst>
-                                    <p:set>
-                                      <p:cBhvr>
-                                        <p:cTn id="18" dur="1" fill="hold">
-                                          <p:stCondLst>
-                                            <p:cond delay="0"/>
-                                          </p:stCondLst>
-                                        </p:cTn>
-                                        <p:tgtEl>
-                                          <p:spTgt spid="3">
-                                            <p:txEl>
-                                              <p:pRg st="3" end="3"/>
-                                            </p:txEl>
-                                          </p:spTgt>
-                                        </p:tgtEl>
-                                        <p:attrNameLst>
-                                          <p:attrName>style.visibility</p:attrName>
-                                        </p:attrNameLst>
-                                      </p:cBhvr>
-                                      <p:to>
-                                        <p:strVal val="visible"/>
-                                      </p:to>
-                                    </p:set>
-                                  </p:childTnLst>
-                                </p:cTn>
-                              </p:par>
-                            </p:childTnLst>
-                          </p:cTn>
-                        </p:par>
-                      </p:childTnLst>
-                    </p:cTn>
-                  </p:par>
-                  <p:par>
-                    <p:cTn id="19" fill="hold">
-                      <p:stCondLst>
-                        <p:cond delay="indefinite"/>
-                      </p:stCondLst>
-                      <p:childTnLst>
-                        <p:par>
-                          <p:cTn id="20" fill="hold">
-                            <p:stCondLst>
-                              <p:cond delay="0"/>
-                            </p:stCondLst>
-                            <p:childTnLst>
-                              <p:par>
-                                <p:cTn id="21" presetID="1" presetClass="entr" presetSubtype="0" fill="hold" grpId="0" nodeType="clickEffect">
-                                  <p:stCondLst>
-                                    <p:cond delay="0"/>
-                                  </p:stCondLst>
-                                  <p:childTnLst>
-                                    <p:set>
-                                      <p:cBhvr>
-                                        <p:cTn id="22" dur="1" fill="hold">
-                                          <p:stCondLst>
-                                            <p:cond delay="0"/>
-                                          </p:stCondLst>
-                                        </p:cTn>
-                                        <p:tgtEl>
-                                          <p:spTgt spid="3">
-                                            <p:txEl>
-                                              <p:pRg st="4" end="4"/>
-                                            </p:txEl>
-                                          </p:spTgt>
-                                        </p:tgtEl>
-                                        <p:attrNameLst>
-                                          <p:attrName>style.visibility</p:attrName>
-                                        </p:attrNameLst>
-                                      </p:cBhvr>
-                                      <p:to>
-                                        <p:strVal val="visible"/>
-                                      </p:to>
-                                    </p:set>
-                                  </p:childTnLst>
-                                </p:cTn>
-                              </p:par>
-                            </p:childTnLst>
-                          </p:cTn>
-                        </p:par>
-                      </p:childTnLst>
-                    </p:cTn>
-                  </p:par>
-                </p:childTnLst>
-              </p:cTn>
-              <p:prevCondLst>
-                <p:cond evt="onPrev" delay="0">
-                  <p:tgtEl>
-                    <p:sldTgt/>
-                  </p:tgtEl>
-                </p:cond>
-              </p:prevCondLst>
-              <p:nextCondLst>
-                <p:cond evt="onNext" delay="0">
-                  <p:tgtEl>
-                    <p:sldTgt/>
-                  </p:tgtEl>
-                </p:cond>
-              </p:nextCondLst>
-            </p:seq>
-          </p:childTnLst>
-        </p:cTn>
-      </p:par>
-    </p:tnLst>
-    <p:bldLst>
-      <p:bldP spid="3" grpId="0" build="p"/>
-    </p:bldLst>
-  </p:timing>
 </p:sld>
 </file>
 
@@ -11629,279 +10455,6 @@
   <p:clrMapOvr>
     <a:masterClrMapping/>
   </p:clrMapOvr>
-  <p:timing>
-    <p:tnLst>
-      <p:par>
-        <p:cTn id="1" dur="indefinite" restart="never" nodeType="tmRoot">
-          <p:childTnLst>
-            <p:seq concurrent="1" nextAc="seek">
-              <p:cTn id="2" dur="indefinite" nodeType="mainSeq">
-                <p:childTnLst>
-                  <p:par>
-                    <p:cTn id="3" fill="hold">
-                      <p:stCondLst>
-                        <p:cond delay="indefinite"/>
-                      </p:stCondLst>
-                      <p:childTnLst>
-                        <p:par>
-                          <p:cTn id="4" fill="hold">
-                            <p:stCondLst>
-                              <p:cond delay="0"/>
-                            </p:stCondLst>
-                            <p:childTnLst>
-                              <p:par>
-                                <p:cTn id="5" presetID="1" presetClass="entr" presetSubtype="0" fill="hold" grpId="0" nodeType="clickEffect">
-                                  <p:stCondLst>
-                                    <p:cond delay="0"/>
-                                  </p:stCondLst>
-                                  <p:childTnLst>
-                                    <p:set>
-                                      <p:cBhvr>
-                                        <p:cTn id="6" dur="1" fill="hold">
-                                          <p:stCondLst>
-                                            <p:cond delay="0"/>
-                                          </p:stCondLst>
-                                        </p:cTn>
-                                        <p:tgtEl>
-                                          <p:spTgt spid="3">
-                                            <p:txEl>
-                                              <p:pRg st="0" end="0"/>
-                                            </p:txEl>
-                                          </p:spTgt>
-                                        </p:tgtEl>
-                                        <p:attrNameLst>
-                                          <p:attrName>style.visibility</p:attrName>
-                                        </p:attrNameLst>
-                                      </p:cBhvr>
-                                      <p:to>
-                                        <p:strVal val="visible"/>
-                                      </p:to>
-                                    </p:set>
-                                  </p:childTnLst>
-                                </p:cTn>
-                              </p:par>
-                              <p:par>
-                                <p:cTn id="7" presetID="1" presetClass="entr" presetSubtype="0" fill="hold" grpId="0" nodeType="withEffect">
-                                  <p:stCondLst>
-                                    <p:cond delay="0"/>
-                                  </p:stCondLst>
-                                  <p:childTnLst>
-                                    <p:set>
-                                      <p:cBhvr>
-                                        <p:cTn id="8" dur="1" fill="hold">
-                                          <p:stCondLst>
-                                            <p:cond delay="0"/>
-                                          </p:stCondLst>
-                                        </p:cTn>
-                                        <p:tgtEl>
-                                          <p:spTgt spid="3">
-                                            <p:txEl>
-                                              <p:pRg st="1" end="1"/>
-                                            </p:txEl>
-                                          </p:spTgt>
-                                        </p:tgtEl>
-                                        <p:attrNameLst>
-                                          <p:attrName>style.visibility</p:attrName>
-                                        </p:attrNameLst>
-                                      </p:cBhvr>
-                                      <p:to>
-                                        <p:strVal val="visible"/>
-                                      </p:to>
-                                    </p:set>
-                                  </p:childTnLst>
-                                </p:cTn>
-                              </p:par>
-                              <p:par>
-                                <p:cTn id="9" presetID="1" presetClass="entr" presetSubtype="0" fill="hold" grpId="0" nodeType="withEffect">
-                                  <p:stCondLst>
-                                    <p:cond delay="0"/>
-                                  </p:stCondLst>
-                                  <p:childTnLst>
-                                    <p:set>
-                                      <p:cBhvr>
-                                        <p:cTn id="10" dur="1" fill="hold">
-                                          <p:stCondLst>
-                                            <p:cond delay="0"/>
-                                          </p:stCondLst>
-                                        </p:cTn>
-                                        <p:tgtEl>
-                                          <p:spTgt spid="3">
-                                            <p:txEl>
-                                              <p:pRg st="2" end="2"/>
-                                            </p:txEl>
-                                          </p:spTgt>
-                                        </p:tgtEl>
-                                        <p:attrNameLst>
-                                          <p:attrName>style.visibility</p:attrName>
-                                        </p:attrNameLst>
-                                      </p:cBhvr>
-                                      <p:to>
-                                        <p:strVal val="visible"/>
-                                      </p:to>
-                                    </p:set>
-                                  </p:childTnLst>
-                                </p:cTn>
-                              </p:par>
-                            </p:childTnLst>
-                          </p:cTn>
-                        </p:par>
-                      </p:childTnLst>
-                    </p:cTn>
-                  </p:par>
-                  <p:par>
-                    <p:cTn id="11" fill="hold">
-                      <p:stCondLst>
-                        <p:cond delay="indefinite"/>
-                      </p:stCondLst>
-                      <p:childTnLst>
-                        <p:par>
-                          <p:cTn id="12" fill="hold">
-                            <p:stCondLst>
-                              <p:cond delay="0"/>
-                            </p:stCondLst>
-                            <p:childTnLst>
-                              <p:par>
-                                <p:cTn id="13" presetID="1" presetClass="entr" presetSubtype="0" fill="hold" grpId="0" nodeType="clickEffect">
-                                  <p:stCondLst>
-                                    <p:cond delay="0"/>
-                                  </p:stCondLst>
-                                  <p:childTnLst>
-                                    <p:set>
-                                      <p:cBhvr>
-                                        <p:cTn id="14" dur="1" fill="hold">
-                                          <p:stCondLst>
-                                            <p:cond delay="0"/>
-                                          </p:stCondLst>
-                                        </p:cTn>
-                                        <p:tgtEl>
-                                          <p:spTgt spid="3">
-                                            <p:txEl>
-                                              <p:pRg st="3" end="3"/>
-                                            </p:txEl>
-                                          </p:spTgt>
-                                        </p:tgtEl>
-                                        <p:attrNameLst>
-                                          <p:attrName>style.visibility</p:attrName>
-                                        </p:attrNameLst>
-                                      </p:cBhvr>
-                                      <p:to>
-                                        <p:strVal val="visible"/>
-                                      </p:to>
-                                    </p:set>
-                                  </p:childTnLst>
-                                </p:cTn>
-                              </p:par>
-                              <p:par>
-                                <p:cTn id="15" presetID="1" presetClass="entr" presetSubtype="0" fill="hold" grpId="0" nodeType="withEffect">
-                                  <p:stCondLst>
-                                    <p:cond delay="0"/>
-                                  </p:stCondLst>
-                                  <p:childTnLst>
-                                    <p:set>
-                                      <p:cBhvr>
-                                        <p:cTn id="16" dur="1" fill="hold">
-                                          <p:stCondLst>
-                                            <p:cond delay="0"/>
-                                          </p:stCondLst>
-                                        </p:cTn>
-                                        <p:tgtEl>
-                                          <p:spTgt spid="3">
-                                            <p:txEl>
-                                              <p:pRg st="4" end="4"/>
-                                            </p:txEl>
-                                          </p:spTgt>
-                                        </p:tgtEl>
-                                        <p:attrNameLst>
-                                          <p:attrName>style.visibility</p:attrName>
-                                        </p:attrNameLst>
-                                      </p:cBhvr>
-                                      <p:to>
-                                        <p:strVal val="visible"/>
-                                      </p:to>
-                                    </p:set>
-                                  </p:childTnLst>
-                                </p:cTn>
-                              </p:par>
-                            </p:childTnLst>
-                          </p:cTn>
-                        </p:par>
-                      </p:childTnLst>
-                    </p:cTn>
-                  </p:par>
-                  <p:par>
-                    <p:cTn id="17" fill="hold">
-                      <p:stCondLst>
-                        <p:cond delay="indefinite"/>
-                      </p:stCondLst>
-                      <p:childTnLst>
-                        <p:par>
-                          <p:cTn id="18" fill="hold">
-                            <p:stCondLst>
-                              <p:cond delay="0"/>
-                            </p:stCondLst>
-                            <p:childTnLst>
-                              <p:par>
-                                <p:cTn id="19" presetID="1" presetClass="entr" presetSubtype="0" fill="hold" grpId="0" nodeType="clickEffect">
-                                  <p:stCondLst>
-                                    <p:cond delay="0"/>
-                                  </p:stCondLst>
-                                  <p:childTnLst>
-                                    <p:set>
-                                      <p:cBhvr>
-                                        <p:cTn id="20" dur="1" fill="hold">
-                                          <p:stCondLst>
-                                            <p:cond delay="0"/>
-                                          </p:stCondLst>
-                                        </p:cTn>
-                                        <p:tgtEl>
-                                          <p:spTgt spid="3">
-                                            <p:txEl>
-                                              <p:pRg st="5" end="5"/>
-                                            </p:txEl>
-                                          </p:spTgt>
-                                        </p:tgtEl>
-                                        <p:attrNameLst>
-                                          <p:attrName>style.visibility</p:attrName>
-                                        </p:attrNameLst>
-                                      </p:cBhvr>
-                                      <p:to>
-                                        <p:strVal val="visible"/>
-                                      </p:to>
-                                    </p:set>
-                                  </p:childTnLst>
-                                </p:cTn>
-                              </p:par>
-                            </p:childTnLst>
-                          </p:cTn>
-                        </p:par>
-                      </p:childTnLst>
-                    </p:cTn>
-                  </p:par>
-                </p:childTnLst>
-              </p:cTn>
-              <p:prevCondLst>
-                <p:cond evt="onPrev" delay="0">
-                  <p:tgtEl>
-                    <p:sldTgt/>
-                  </p:tgtEl>
-                </p:cond>
-              </p:prevCondLst>
-              <p:nextCondLst>
-                <p:cond evt="onNext" delay="0">
-                  <p:tgtEl>
-                    <p:sldTgt/>
-                  </p:tgtEl>
-                </p:cond>
-              </p:nextCondLst>
-            </p:seq>
-          </p:childTnLst>
-        </p:cTn>
-      </p:par>
-    </p:tnLst>
-    <p:bldLst>
-      <p:bldP spid="3" grpId="0" build="p"/>
-    </p:bldLst>
-  </p:timing>
 </p:sld>
 </file>
 
@@ -15170,8 +13723,8 @@
         </p:nvSpPr>
         <p:spPr>
           <a:xfrm>
-            <a:off x="-1" y="1761066"/>
-            <a:ext cx="12192001" cy="3335867"/>
+            <a:off x="-1" y="0"/>
+            <a:ext cx="12192001" cy="6858000"/>
           </a:xfrm>
         </p:spPr>
         <p:txBody>
@@ -15182,7 +13735,14 @@
           <a:p>
             <a:r>
               <a:rPr lang="en-US" sz="25800" dirty="0"/>
-              <a:t>DOCPAC</a:t>
+              <a:t>DOC</a:t>
+            </a:r>
+            <a:br>
+              <a:rPr lang="en-US" sz="25800" dirty="0"/>
+            </a:br>
+            <a:r>
+              <a:rPr lang="en-US" sz="25800" dirty="0"/>
+              <a:t>PAC</a:t>
             </a:r>
             <a:endParaRPr lang="en-US" sz="4400" dirty="0"/>
           </a:p>
@@ -15322,430 +13882,6 @@
   <p:clrMapOvr>
     <a:masterClrMapping/>
   </p:clrMapOvr>
-  <p:timing>
-    <p:tnLst>
-      <p:par>
-        <p:cTn id="1" dur="indefinite" restart="never" nodeType="tmRoot">
-          <p:childTnLst>
-            <p:seq concurrent="1" nextAc="seek">
-              <p:cTn id="2" dur="indefinite" nodeType="mainSeq">
-                <p:childTnLst>
-                  <p:par>
-                    <p:cTn id="3" fill="hold">
-                      <p:stCondLst>
-                        <p:cond delay="indefinite"/>
-                      </p:stCondLst>
-                      <p:childTnLst>
-                        <p:par>
-                          <p:cTn id="4" fill="hold">
-                            <p:stCondLst>
-                              <p:cond delay="0"/>
-                            </p:stCondLst>
-                            <p:childTnLst>
-                              <p:par>
-                                <p:cTn id="5" presetID="10" presetClass="entr" presetSubtype="0" fill="hold" grpId="0" nodeType="clickEffect">
-                                  <p:stCondLst>
-                                    <p:cond delay="0"/>
-                                  </p:stCondLst>
-                                  <p:childTnLst>
-                                    <p:set>
-                                      <p:cBhvr>
-                                        <p:cTn id="6" dur="1" fill="hold">
-                                          <p:stCondLst>
-                                            <p:cond delay="0"/>
-                                          </p:stCondLst>
-                                        </p:cTn>
-                                        <p:tgtEl>
-                                          <p:spTgt spid="3">
-                                            <p:txEl>
-                                              <p:pRg st="0" end="0"/>
-                                            </p:txEl>
-                                          </p:spTgt>
-                                        </p:tgtEl>
-                                        <p:attrNameLst>
-                                          <p:attrName>style.visibility</p:attrName>
-                                        </p:attrNameLst>
-                                      </p:cBhvr>
-                                      <p:to>
-                                        <p:strVal val="visible"/>
-                                      </p:to>
-                                    </p:set>
-                                    <p:animEffect transition="in" filter="fade">
-                                      <p:cBhvr>
-                                        <p:cTn id="7" dur="500"/>
-                                        <p:tgtEl>
-                                          <p:spTgt spid="3">
-                                            <p:txEl>
-                                              <p:pRg st="0" end="0"/>
-                                            </p:txEl>
-                                          </p:spTgt>
-                                        </p:tgtEl>
-                                      </p:cBhvr>
-                                    </p:animEffect>
-                                  </p:childTnLst>
-                                </p:cTn>
-                              </p:par>
-                            </p:childTnLst>
-                          </p:cTn>
-                        </p:par>
-                      </p:childTnLst>
-                    </p:cTn>
-                  </p:par>
-                  <p:par>
-                    <p:cTn id="8" fill="hold">
-                      <p:stCondLst>
-                        <p:cond delay="indefinite"/>
-                      </p:stCondLst>
-                      <p:childTnLst>
-                        <p:par>
-                          <p:cTn id="9" fill="hold">
-                            <p:stCondLst>
-                              <p:cond delay="0"/>
-                            </p:stCondLst>
-                            <p:childTnLst>
-                              <p:par>
-                                <p:cTn id="10" presetID="10" presetClass="entr" presetSubtype="0" fill="hold" grpId="0" nodeType="clickEffect">
-                                  <p:stCondLst>
-                                    <p:cond delay="0"/>
-                                  </p:stCondLst>
-                                  <p:childTnLst>
-                                    <p:set>
-                                      <p:cBhvr>
-                                        <p:cTn id="11" dur="1" fill="hold">
-                                          <p:stCondLst>
-                                            <p:cond delay="0"/>
-                                          </p:stCondLst>
-                                        </p:cTn>
-                                        <p:tgtEl>
-                                          <p:spTgt spid="3">
-                                            <p:txEl>
-                                              <p:pRg st="1" end="1"/>
-                                            </p:txEl>
-                                          </p:spTgt>
-                                        </p:tgtEl>
-                                        <p:attrNameLst>
-                                          <p:attrName>style.visibility</p:attrName>
-                                        </p:attrNameLst>
-                                      </p:cBhvr>
-                                      <p:to>
-                                        <p:strVal val="visible"/>
-                                      </p:to>
-                                    </p:set>
-                                    <p:animEffect transition="in" filter="fade">
-                                      <p:cBhvr>
-                                        <p:cTn id="12" dur="500"/>
-                                        <p:tgtEl>
-                                          <p:spTgt spid="3">
-                                            <p:txEl>
-                                              <p:pRg st="1" end="1"/>
-                                            </p:txEl>
-                                          </p:spTgt>
-                                        </p:tgtEl>
-                                      </p:cBhvr>
-                                    </p:animEffect>
-                                  </p:childTnLst>
-                                </p:cTn>
-                              </p:par>
-                              <p:par>
-                                <p:cTn id="13" presetID="10" presetClass="entr" presetSubtype="0" fill="hold" grpId="0" nodeType="withEffect">
-                                  <p:stCondLst>
-                                    <p:cond delay="0"/>
-                                  </p:stCondLst>
-                                  <p:childTnLst>
-                                    <p:set>
-                                      <p:cBhvr>
-                                        <p:cTn id="14" dur="1" fill="hold">
-                                          <p:stCondLst>
-                                            <p:cond delay="0"/>
-                                          </p:stCondLst>
-                                        </p:cTn>
-                                        <p:tgtEl>
-                                          <p:spTgt spid="3">
-                                            <p:txEl>
-                                              <p:pRg st="2" end="2"/>
-                                            </p:txEl>
-                                          </p:spTgt>
-                                        </p:tgtEl>
-                                        <p:attrNameLst>
-                                          <p:attrName>style.visibility</p:attrName>
-                                        </p:attrNameLst>
-                                      </p:cBhvr>
-                                      <p:to>
-                                        <p:strVal val="visible"/>
-                                      </p:to>
-                                    </p:set>
-                                    <p:animEffect transition="in" filter="fade">
-                                      <p:cBhvr>
-                                        <p:cTn id="15" dur="500"/>
-                                        <p:tgtEl>
-                                          <p:spTgt spid="3">
-                                            <p:txEl>
-                                              <p:pRg st="2" end="2"/>
-                                            </p:txEl>
-                                          </p:spTgt>
-                                        </p:tgtEl>
-                                      </p:cBhvr>
-                                    </p:animEffect>
-                                  </p:childTnLst>
-                                </p:cTn>
-                              </p:par>
-                            </p:childTnLst>
-                          </p:cTn>
-                        </p:par>
-                      </p:childTnLst>
-                    </p:cTn>
-                  </p:par>
-                  <p:par>
-                    <p:cTn id="16" fill="hold">
-                      <p:stCondLst>
-                        <p:cond delay="indefinite"/>
-                      </p:stCondLst>
-                      <p:childTnLst>
-                        <p:par>
-                          <p:cTn id="17" fill="hold">
-                            <p:stCondLst>
-                              <p:cond delay="0"/>
-                            </p:stCondLst>
-                            <p:childTnLst>
-                              <p:par>
-                                <p:cTn id="18" presetID="10" presetClass="entr" presetSubtype="0" fill="hold" grpId="0" nodeType="clickEffect">
-                                  <p:stCondLst>
-                                    <p:cond delay="0"/>
-                                  </p:stCondLst>
-                                  <p:childTnLst>
-                                    <p:set>
-                                      <p:cBhvr>
-                                        <p:cTn id="19" dur="1" fill="hold">
-                                          <p:stCondLst>
-                                            <p:cond delay="0"/>
-                                          </p:stCondLst>
-                                        </p:cTn>
-                                        <p:tgtEl>
-                                          <p:spTgt spid="3">
-                                            <p:txEl>
-                                              <p:pRg st="3" end="3"/>
-                                            </p:txEl>
-                                          </p:spTgt>
-                                        </p:tgtEl>
-                                        <p:attrNameLst>
-                                          <p:attrName>style.visibility</p:attrName>
-                                        </p:attrNameLst>
-                                      </p:cBhvr>
-                                      <p:to>
-                                        <p:strVal val="visible"/>
-                                      </p:to>
-                                    </p:set>
-                                    <p:animEffect transition="in" filter="fade">
-                                      <p:cBhvr>
-                                        <p:cTn id="20" dur="500"/>
-                                        <p:tgtEl>
-                                          <p:spTgt spid="3">
-                                            <p:txEl>
-                                              <p:pRg st="3" end="3"/>
-                                            </p:txEl>
-                                          </p:spTgt>
-                                        </p:tgtEl>
-                                      </p:cBhvr>
-                                    </p:animEffect>
-                                  </p:childTnLst>
-                                </p:cTn>
-                              </p:par>
-                            </p:childTnLst>
-                          </p:cTn>
-                        </p:par>
-                      </p:childTnLst>
-                    </p:cTn>
-                  </p:par>
-                  <p:par>
-                    <p:cTn id="21" fill="hold">
-                      <p:stCondLst>
-                        <p:cond delay="indefinite"/>
-                      </p:stCondLst>
-                      <p:childTnLst>
-                        <p:par>
-                          <p:cTn id="22" fill="hold">
-                            <p:stCondLst>
-                              <p:cond delay="0"/>
-                            </p:stCondLst>
-                            <p:childTnLst>
-                              <p:par>
-                                <p:cTn id="23" presetID="10" presetClass="entr" presetSubtype="0" fill="hold" grpId="0" nodeType="clickEffect">
-                                  <p:stCondLst>
-                                    <p:cond delay="0"/>
-                                  </p:stCondLst>
-                                  <p:childTnLst>
-                                    <p:set>
-                                      <p:cBhvr>
-                                        <p:cTn id="24" dur="1" fill="hold">
-                                          <p:stCondLst>
-                                            <p:cond delay="0"/>
-                                          </p:stCondLst>
-                                        </p:cTn>
-                                        <p:tgtEl>
-                                          <p:spTgt spid="3">
-                                            <p:txEl>
-                                              <p:pRg st="4" end="4"/>
-                                            </p:txEl>
-                                          </p:spTgt>
-                                        </p:tgtEl>
-                                        <p:attrNameLst>
-                                          <p:attrName>style.visibility</p:attrName>
-                                        </p:attrNameLst>
-                                      </p:cBhvr>
-                                      <p:to>
-                                        <p:strVal val="visible"/>
-                                      </p:to>
-                                    </p:set>
-                                    <p:animEffect transition="in" filter="fade">
-                                      <p:cBhvr>
-                                        <p:cTn id="25" dur="500"/>
-                                        <p:tgtEl>
-                                          <p:spTgt spid="3">
-                                            <p:txEl>
-                                              <p:pRg st="4" end="4"/>
-                                            </p:txEl>
-                                          </p:spTgt>
-                                        </p:tgtEl>
-                                      </p:cBhvr>
-                                    </p:animEffect>
-                                  </p:childTnLst>
-                                </p:cTn>
-                              </p:par>
-                              <p:par>
-                                <p:cTn id="26" presetID="10" presetClass="entr" presetSubtype="0" fill="hold" grpId="0" nodeType="withEffect">
-                                  <p:stCondLst>
-                                    <p:cond delay="0"/>
-                                  </p:stCondLst>
-                                  <p:childTnLst>
-                                    <p:set>
-                                      <p:cBhvr>
-                                        <p:cTn id="27" dur="1" fill="hold">
-                                          <p:stCondLst>
-                                            <p:cond delay="0"/>
-                                          </p:stCondLst>
-                                        </p:cTn>
-                                        <p:tgtEl>
-                                          <p:spTgt spid="3">
-                                            <p:txEl>
-                                              <p:pRg st="5" end="5"/>
-                                            </p:txEl>
-                                          </p:spTgt>
-                                        </p:tgtEl>
-                                        <p:attrNameLst>
-                                          <p:attrName>style.visibility</p:attrName>
-                                        </p:attrNameLst>
-                                      </p:cBhvr>
-                                      <p:to>
-                                        <p:strVal val="visible"/>
-                                      </p:to>
-                                    </p:set>
-                                    <p:animEffect transition="in" filter="fade">
-                                      <p:cBhvr>
-                                        <p:cTn id="28" dur="500"/>
-                                        <p:tgtEl>
-                                          <p:spTgt spid="3">
-                                            <p:txEl>
-                                              <p:pRg st="5" end="5"/>
-                                            </p:txEl>
-                                          </p:spTgt>
-                                        </p:tgtEl>
-                                      </p:cBhvr>
-                                    </p:animEffect>
-                                  </p:childTnLst>
-                                </p:cTn>
-                              </p:par>
-                            </p:childTnLst>
-                          </p:cTn>
-                        </p:par>
-                      </p:childTnLst>
-                    </p:cTn>
-                  </p:par>
-                  <p:par>
-                    <p:cTn id="29" fill="hold">
-                      <p:stCondLst>
-                        <p:cond delay="indefinite"/>
-                      </p:stCondLst>
-                      <p:childTnLst>
-                        <p:par>
-                          <p:cTn id="30" fill="hold">
-                            <p:stCondLst>
-                              <p:cond delay="0"/>
-                            </p:stCondLst>
-                            <p:childTnLst>
-                              <p:par>
-                                <p:cTn id="31" presetID="10" presetClass="entr" presetSubtype="0" fill="hold" grpId="0" nodeType="clickEffect">
-                                  <p:stCondLst>
-                                    <p:cond delay="0"/>
-                                  </p:stCondLst>
-                                  <p:childTnLst>
-                                    <p:set>
-                                      <p:cBhvr>
-                                        <p:cTn id="32" dur="1" fill="hold">
-                                          <p:stCondLst>
-                                            <p:cond delay="0"/>
-                                          </p:stCondLst>
-                                        </p:cTn>
-                                        <p:tgtEl>
-                                          <p:spTgt spid="3">
-                                            <p:txEl>
-                                              <p:pRg st="6" end="6"/>
-                                            </p:txEl>
-                                          </p:spTgt>
-                                        </p:tgtEl>
-                                        <p:attrNameLst>
-                                          <p:attrName>style.visibility</p:attrName>
-                                        </p:attrNameLst>
-                                      </p:cBhvr>
-                                      <p:to>
-                                        <p:strVal val="visible"/>
-                                      </p:to>
-                                    </p:set>
-                                    <p:animEffect transition="in" filter="fade">
-                                      <p:cBhvr>
-                                        <p:cTn id="33" dur="500"/>
-                                        <p:tgtEl>
-                                          <p:spTgt spid="3">
-                                            <p:txEl>
-                                              <p:pRg st="6" end="6"/>
-                                            </p:txEl>
-                                          </p:spTgt>
-                                        </p:tgtEl>
-                                      </p:cBhvr>
-                                    </p:animEffect>
-                                  </p:childTnLst>
-                                </p:cTn>
-                              </p:par>
-                            </p:childTnLst>
-                          </p:cTn>
-                        </p:par>
-                      </p:childTnLst>
-                    </p:cTn>
-                  </p:par>
-                </p:childTnLst>
-              </p:cTn>
-              <p:prevCondLst>
-                <p:cond evt="onPrev" delay="0">
-                  <p:tgtEl>
-                    <p:sldTgt/>
-                  </p:tgtEl>
-                </p:cond>
-              </p:prevCondLst>
-              <p:nextCondLst>
-                <p:cond evt="onNext" delay="0">
-                  <p:tgtEl>
-                    <p:sldTgt/>
-                  </p:tgtEl>
-                </p:cond>
-              </p:nextCondLst>
-            </p:seq>
-          </p:childTnLst>
-        </p:cTn>
-      </p:par>
-    </p:tnLst>
-    <p:bldLst>
-      <p:bldP spid="3" grpId="0" build="p"/>
-    </p:bldLst>
-  </p:timing>
 </p:sld>
 </file>
 
@@ -24205,6 +22341,15 @@
 </file>
 
 <file path=customXml/item1.xml><?xml version="1.0" encoding="utf-8"?>
+<?mso-contentType ?>
+<FormTemplates xmlns="http://schemas.microsoft.com/sharepoint/v3/contenttype/forms">
+  <Display>DocumentLibraryForm</Display>
+  <Edit>DocumentLibraryForm</Edit>
+  <New>DocumentLibraryForm</New>
+</FormTemplates>
+</file>
+
+<file path=customXml/item2.xml><?xml version="1.0" encoding="utf-8"?>
 <ct:contentTypeSchema xmlns:ct="http://schemas.microsoft.com/office/2006/metadata/contentType" xmlns:ma="http://schemas.microsoft.com/office/2006/metadata/properties/metaAttributes" ct:_="" ma:_="" ma:contentTypeName="Document" ma:contentTypeID="0x010100ABA223F759147049B9D8A25DED07DD24" ma:contentTypeVersion="14" ma:contentTypeDescription="Create a new document." ma:contentTypeScope="" ma:versionID="754cccfe17833f4d06e0267dc9c12ab7">
   <xsd:schema xmlns:xsd="http://www.w3.org/2001/XMLSchema" xmlns:xs="http://www.w3.org/2001/XMLSchema" xmlns:p="http://schemas.microsoft.com/office/2006/metadata/properties" xmlns:ns3="cc9255bc-4d99-4f42-bba5-857cbcc6e725" xmlns:ns4="fc2bff61-6a31-4c51-9f32-b9bba46405e5" targetNamespace="http://schemas.microsoft.com/office/2006/metadata/properties" ma:root="true" ma:fieldsID="e32414dc8724dfdc561355c14801bc84" ns3:_="" ns4:_="">
     <xsd:import namespace="cc9255bc-4d99-4f42-bba5-857cbcc6e725"/>
@@ -24433,15 +22578,6 @@
 </ct:contentTypeSchema>
 </file>
 
-<file path=customXml/item2.xml><?xml version="1.0" encoding="utf-8"?>
-<?mso-contentType ?>
-<FormTemplates xmlns="http://schemas.microsoft.com/sharepoint/v3/contenttype/forms">
-  <Display>DocumentLibraryForm</Display>
-  <Edit>DocumentLibraryForm</Edit>
-  <New>DocumentLibraryForm</New>
-</FormTemplates>
-</file>
-
 <file path=customXml/item3.xml><?xml version="1.0" encoding="utf-8"?>
 <p:properties xmlns:p="http://schemas.microsoft.com/office/2006/metadata/properties" xmlns:xsi="http://www.w3.org/2001/XMLSchema-instance" xmlns:pc="http://schemas.microsoft.com/office/infopath/2007/PartnerControls">
   <documentManagement/>
@@ -24449,6 +22585,14 @@
 </file>
 
 <file path=customXml/itemProps1.xml><?xml version="1.0" encoding="utf-8"?>
+<ds:datastoreItem xmlns:ds="http://schemas.openxmlformats.org/officeDocument/2006/customXml" ds:itemID="{FFF71063-750A-4F15-A0E6-049A2BA10D5D}">
+  <ds:schemaRefs>
+    <ds:schemaRef ds:uri="http://schemas.microsoft.com/sharepoint/v3/contenttype/forms"/>
+  </ds:schemaRefs>
+</ds:datastoreItem>
+</file>
+
+<file path=customXml/itemProps2.xml><?xml version="1.0" encoding="utf-8"?>
 <ds:datastoreItem xmlns:ds="http://schemas.openxmlformats.org/officeDocument/2006/customXml" ds:itemID="{B2D82F21-8668-4A3F-A308-37FA558F9F37}">
   <ds:schemaRefs>
     <ds:schemaRef ds:uri="http://schemas.microsoft.com/office/2006/metadata/contentType"/>
@@ -24463,14 +22607,6 @@
     <ds:schemaRef ds:uri="http://purl.org/dc/elements/1.1/"/>
     <ds:schemaRef ds:uri="http://purl.org/dc/terms/"/>
     <ds:schemaRef ds:uri="http://schemas.microsoft.com/internal/obd"/>
-  </ds:schemaRefs>
-</ds:datastoreItem>
-</file>
-
-<file path=customXml/itemProps2.xml><?xml version="1.0" encoding="utf-8"?>
-<ds:datastoreItem xmlns:ds="http://schemas.openxmlformats.org/officeDocument/2006/customXml" ds:itemID="{FFF71063-750A-4F15-A0E6-049A2BA10D5D}">
-  <ds:schemaRefs>
-    <ds:schemaRef ds:uri="http://schemas.microsoft.com/sharepoint/v3/contenttype/forms"/>
   </ds:schemaRefs>
 </ds:datastoreItem>
 </file>

--- a/docpac_mar04/WeeklyReview.pptx
+++ b/docpac_mar04/WeeklyReview.pptx
@@ -1127,7 +1127,7 @@
           <a:p>
             <a:fld id="{158B72E8-B12F-4F24-84EA-C15599633662}" type="datetimeFigureOut">
               <a:rPr lang="en-US" smtClean="0"/>
-              <a:t>2/27/2022</a:t>
+              <a:t>2/28/2022</a:t>
             </a:fld>
             <a:endParaRPr lang="en-US"/>
           </a:p>
@@ -1325,7 +1325,7 @@
           <a:p>
             <a:fld id="{158B72E8-B12F-4F24-84EA-C15599633662}" type="datetimeFigureOut">
               <a:rPr lang="en-US" smtClean="0"/>
-              <a:t>2/27/2022</a:t>
+              <a:t>2/28/2022</a:t>
             </a:fld>
             <a:endParaRPr lang="en-US"/>
           </a:p>
@@ -1533,7 +1533,7 @@
           <a:p>
             <a:fld id="{158B72E8-B12F-4F24-84EA-C15599633662}" type="datetimeFigureOut">
               <a:rPr lang="en-US" smtClean="0"/>
-              <a:t>2/27/2022</a:t>
+              <a:t>2/28/2022</a:t>
             </a:fld>
             <a:endParaRPr lang="en-US"/>
           </a:p>
@@ -1731,7 +1731,7 @@
           <a:p>
             <a:fld id="{158B72E8-B12F-4F24-84EA-C15599633662}" type="datetimeFigureOut">
               <a:rPr lang="en-US" smtClean="0"/>
-              <a:t>2/27/2022</a:t>
+              <a:t>2/28/2022</a:t>
             </a:fld>
             <a:endParaRPr lang="en-US"/>
           </a:p>
@@ -2006,7 +2006,7 @@
           <a:p>
             <a:fld id="{158B72E8-B12F-4F24-84EA-C15599633662}" type="datetimeFigureOut">
               <a:rPr lang="en-US" smtClean="0"/>
-              <a:t>2/27/2022</a:t>
+              <a:t>2/28/2022</a:t>
             </a:fld>
             <a:endParaRPr lang="en-US"/>
           </a:p>
@@ -2271,7 +2271,7 @@
           <a:p>
             <a:fld id="{158B72E8-B12F-4F24-84EA-C15599633662}" type="datetimeFigureOut">
               <a:rPr lang="en-US" smtClean="0"/>
-              <a:t>2/27/2022</a:t>
+              <a:t>2/28/2022</a:t>
             </a:fld>
             <a:endParaRPr lang="en-US"/>
           </a:p>
@@ -2683,7 +2683,7 @@
           <a:p>
             <a:fld id="{158B72E8-B12F-4F24-84EA-C15599633662}" type="datetimeFigureOut">
               <a:rPr lang="en-US" smtClean="0"/>
-              <a:t>2/27/2022</a:t>
+              <a:t>2/28/2022</a:t>
             </a:fld>
             <a:endParaRPr lang="en-US"/>
           </a:p>
@@ -2824,7 +2824,7 @@
           <a:p>
             <a:fld id="{158B72E8-B12F-4F24-84EA-C15599633662}" type="datetimeFigureOut">
               <a:rPr lang="en-US" smtClean="0"/>
-              <a:t>2/27/2022</a:t>
+              <a:t>2/28/2022</a:t>
             </a:fld>
             <a:endParaRPr lang="en-US"/>
           </a:p>
@@ -2937,7 +2937,7 @@
           <a:p>
             <a:fld id="{158B72E8-B12F-4F24-84EA-C15599633662}" type="datetimeFigureOut">
               <a:rPr lang="en-US" smtClean="0"/>
-              <a:t>2/27/2022</a:t>
+              <a:t>2/28/2022</a:t>
             </a:fld>
             <a:endParaRPr lang="en-US"/>
           </a:p>
@@ -3248,7 +3248,7 @@
           <a:p>
             <a:fld id="{158B72E8-B12F-4F24-84EA-C15599633662}" type="datetimeFigureOut">
               <a:rPr lang="en-US" smtClean="0"/>
-              <a:t>2/27/2022</a:t>
+              <a:t>2/28/2022</a:t>
             </a:fld>
             <a:endParaRPr lang="en-US"/>
           </a:p>
@@ -3536,7 +3536,7 @@
           <a:p>
             <a:fld id="{158B72E8-B12F-4F24-84EA-C15599633662}" type="datetimeFigureOut">
               <a:rPr lang="en-US" smtClean="0"/>
-              <a:t>2/27/2022</a:t>
+              <a:t>2/28/2022</a:t>
             </a:fld>
             <a:endParaRPr lang="en-US"/>
           </a:p>
@@ -3777,7 +3777,7 @@
           <a:p>
             <a:fld id="{158B72E8-B12F-4F24-84EA-C15599633662}" type="datetimeFigureOut">
               <a:rPr lang="en-US" smtClean="0"/>
-              <a:t>2/27/2022</a:t>
+              <a:t>2/28/2022</a:t>
             </a:fld>
             <a:endParaRPr lang="en-US"/>
           </a:p>
@@ -9917,6 +9917,297 @@
   <p:clrMapOvr>
     <a:masterClrMapping/>
   </p:clrMapOvr>
+  <p:timing>
+    <p:tnLst>
+      <p:par>
+        <p:cTn id="1" dur="indefinite" restart="never" nodeType="tmRoot">
+          <p:childTnLst>
+            <p:seq concurrent="1" nextAc="seek">
+              <p:cTn id="2" dur="indefinite" nodeType="mainSeq">
+                <p:childTnLst>
+                  <p:par>
+                    <p:cTn id="3" fill="hold">
+                      <p:stCondLst>
+                        <p:cond delay="indefinite"/>
+                      </p:stCondLst>
+                      <p:childTnLst>
+                        <p:par>
+                          <p:cTn id="4" fill="hold">
+                            <p:stCondLst>
+                              <p:cond delay="0"/>
+                            </p:stCondLst>
+                            <p:childTnLst>
+                              <p:par>
+                                <p:cTn id="5" presetID="1" presetClass="entr" presetSubtype="0" fill="hold" grpId="0" nodeType="clickEffect">
+                                  <p:stCondLst>
+                                    <p:cond delay="0"/>
+                                  </p:stCondLst>
+                                  <p:childTnLst>
+                                    <p:set>
+                                      <p:cBhvr>
+                                        <p:cTn id="6" dur="1" fill="hold">
+                                          <p:stCondLst>
+                                            <p:cond delay="0"/>
+                                          </p:stCondLst>
+                                        </p:cTn>
+                                        <p:tgtEl>
+                                          <p:spTgt spid="3">
+                                            <p:txEl>
+                                              <p:pRg st="0" end="0"/>
+                                            </p:txEl>
+                                          </p:spTgt>
+                                        </p:tgtEl>
+                                        <p:attrNameLst>
+                                          <p:attrName>style.visibility</p:attrName>
+                                        </p:attrNameLst>
+                                      </p:cBhvr>
+                                      <p:to>
+                                        <p:strVal val="visible"/>
+                                      </p:to>
+                                    </p:set>
+                                  </p:childTnLst>
+                                </p:cTn>
+                              </p:par>
+                            </p:childTnLst>
+                          </p:cTn>
+                        </p:par>
+                      </p:childTnLst>
+                    </p:cTn>
+                  </p:par>
+                  <p:par>
+                    <p:cTn id="7" fill="hold">
+                      <p:stCondLst>
+                        <p:cond delay="indefinite"/>
+                      </p:stCondLst>
+                      <p:childTnLst>
+                        <p:par>
+                          <p:cTn id="8" fill="hold">
+                            <p:stCondLst>
+                              <p:cond delay="0"/>
+                            </p:stCondLst>
+                            <p:childTnLst>
+                              <p:par>
+                                <p:cTn id="9" presetID="1" presetClass="entr" presetSubtype="0" fill="hold" grpId="0" nodeType="clickEffect">
+                                  <p:stCondLst>
+                                    <p:cond delay="0"/>
+                                  </p:stCondLst>
+                                  <p:childTnLst>
+                                    <p:set>
+                                      <p:cBhvr>
+                                        <p:cTn id="10" dur="1" fill="hold">
+                                          <p:stCondLst>
+                                            <p:cond delay="0"/>
+                                          </p:stCondLst>
+                                        </p:cTn>
+                                        <p:tgtEl>
+                                          <p:spTgt spid="3">
+                                            <p:txEl>
+                                              <p:pRg st="1" end="1"/>
+                                            </p:txEl>
+                                          </p:spTgt>
+                                        </p:tgtEl>
+                                        <p:attrNameLst>
+                                          <p:attrName>style.visibility</p:attrName>
+                                        </p:attrNameLst>
+                                      </p:cBhvr>
+                                      <p:to>
+                                        <p:strVal val="visible"/>
+                                      </p:to>
+                                    </p:set>
+                                  </p:childTnLst>
+                                </p:cTn>
+                              </p:par>
+                            </p:childTnLst>
+                          </p:cTn>
+                        </p:par>
+                      </p:childTnLst>
+                    </p:cTn>
+                  </p:par>
+                  <p:par>
+                    <p:cTn id="11" fill="hold">
+                      <p:stCondLst>
+                        <p:cond delay="indefinite"/>
+                      </p:stCondLst>
+                      <p:childTnLst>
+                        <p:par>
+                          <p:cTn id="12" fill="hold">
+                            <p:stCondLst>
+                              <p:cond delay="0"/>
+                            </p:stCondLst>
+                            <p:childTnLst>
+                              <p:par>
+                                <p:cTn id="13" presetID="1" presetClass="entr" presetSubtype="0" fill="hold" grpId="0" nodeType="clickEffect">
+                                  <p:stCondLst>
+                                    <p:cond delay="0"/>
+                                  </p:stCondLst>
+                                  <p:childTnLst>
+                                    <p:set>
+                                      <p:cBhvr>
+                                        <p:cTn id="14" dur="1" fill="hold">
+                                          <p:stCondLst>
+                                            <p:cond delay="0"/>
+                                          </p:stCondLst>
+                                        </p:cTn>
+                                        <p:tgtEl>
+                                          <p:spTgt spid="3">
+                                            <p:txEl>
+                                              <p:pRg st="2" end="2"/>
+                                            </p:txEl>
+                                          </p:spTgt>
+                                        </p:tgtEl>
+                                        <p:attrNameLst>
+                                          <p:attrName>style.visibility</p:attrName>
+                                        </p:attrNameLst>
+                                      </p:cBhvr>
+                                      <p:to>
+                                        <p:strVal val="visible"/>
+                                      </p:to>
+                                    </p:set>
+                                  </p:childTnLst>
+                                </p:cTn>
+                              </p:par>
+                            </p:childTnLst>
+                          </p:cTn>
+                        </p:par>
+                      </p:childTnLst>
+                    </p:cTn>
+                  </p:par>
+                  <p:par>
+                    <p:cTn id="15" fill="hold">
+                      <p:stCondLst>
+                        <p:cond delay="indefinite"/>
+                      </p:stCondLst>
+                      <p:childTnLst>
+                        <p:par>
+                          <p:cTn id="16" fill="hold">
+                            <p:stCondLst>
+                              <p:cond delay="0"/>
+                            </p:stCondLst>
+                            <p:childTnLst>
+                              <p:par>
+                                <p:cTn id="17" presetID="1" presetClass="entr" presetSubtype="0" fill="hold" grpId="0" nodeType="clickEffect">
+                                  <p:stCondLst>
+                                    <p:cond delay="0"/>
+                                  </p:stCondLst>
+                                  <p:childTnLst>
+                                    <p:set>
+                                      <p:cBhvr>
+                                        <p:cTn id="18" dur="1" fill="hold">
+                                          <p:stCondLst>
+                                            <p:cond delay="0"/>
+                                          </p:stCondLst>
+                                        </p:cTn>
+                                        <p:tgtEl>
+                                          <p:spTgt spid="3">
+                                            <p:txEl>
+                                              <p:pRg st="3" end="3"/>
+                                            </p:txEl>
+                                          </p:spTgt>
+                                        </p:tgtEl>
+                                        <p:attrNameLst>
+                                          <p:attrName>style.visibility</p:attrName>
+                                        </p:attrNameLst>
+                                      </p:cBhvr>
+                                      <p:to>
+                                        <p:strVal val="visible"/>
+                                      </p:to>
+                                    </p:set>
+                                  </p:childTnLst>
+                                </p:cTn>
+                              </p:par>
+                              <p:par>
+                                <p:cTn id="19" presetID="1" presetClass="entr" presetSubtype="0" fill="hold" grpId="0" nodeType="withEffect">
+                                  <p:stCondLst>
+                                    <p:cond delay="0"/>
+                                  </p:stCondLst>
+                                  <p:childTnLst>
+                                    <p:set>
+                                      <p:cBhvr>
+                                        <p:cTn id="20" dur="1" fill="hold">
+                                          <p:stCondLst>
+                                            <p:cond delay="0"/>
+                                          </p:stCondLst>
+                                        </p:cTn>
+                                        <p:tgtEl>
+                                          <p:spTgt spid="3">
+                                            <p:txEl>
+                                              <p:pRg st="4" end="4"/>
+                                            </p:txEl>
+                                          </p:spTgt>
+                                        </p:tgtEl>
+                                        <p:attrNameLst>
+                                          <p:attrName>style.visibility</p:attrName>
+                                        </p:attrNameLst>
+                                      </p:cBhvr>
+                                      <p:to>
+                                        <p:strVal val="visible"/>
+                                      </p:to>
+                                    </p:set>
+                                  </p:childTnLst>
+                                </p:cTn>
+                              </p:par>
+                              <p:par>
+                                <p:cTn id="21" presetID="1" presetClass="entr" presetSubtype="0" fill="hold" grpId="0" nodeType="withEffect">
+                                  <p:stCondLst>
+                                    <p:cond delay="0"/>
+                                  </p:stCondLst>
+                                  <p:childTnLst>
+                                    <p:set>
+                                      <p:cBhvr>
+                                        <p:cTn id="22" dur="1" fill="hold">
+                                          <p:stCondLst>
+                                            <p:cond delay="0"/>
+                                          </p:stCondLst>
+                                        </p:cTn>
+                                        <p:tgtEl>
+                                          <p:spTgt spid="3">
+                                            <p:txEl>
+                                              <p:pRg st="5" end="5"/>
+                                            </p:txEl>
+                                          </p:spTgt>
+                                        </p:tgtEl>
+                                        <p:attrNameLst>
+                                          <p:attrName>style.visibility</p:attrName>
+                                        </p:attrNameLst>
+                                      </p:cBhvr>
+                                      <p:to>
+                                        <p:strVal val="visible"/>
+                                      </p:to>
+                                    </p:set>
+                                  </p:childTnLst>
+                                </p:cTn>
+                              </p:par>
+                            </p:childTnLst>
+                          </p:cTn>
+                        </p:par>
+                      </p:childTnLst>
+                    </p:cTn>
+                  </p:par>
+                </p:childTnLst>
+              </p:cTn>
+              <p:prevCondLst>
+                <p:cond evt="onPrev" delay="0">
+                  <p:tgtEl>
+                    <p:sldTgt/>
+                  </p:tgtEl>
+                </p:cond>
+              </p:prevCondLst>
+              <p:nextCondLst>
+                <p:cond evt="onNext" delay="0">
+                  <p:tgtEl>
+                    <p:sldTgt/>
+                  </p:tgtEl>
+                </p:cond>
+              </p:nextCondLst>
+            </p:seq>
+          </p:childTnLst>
+        </p:cTn>
+      </p:par>
+    </p:tnLst>
+    <p:bldLst>
+      <p:bldP spid="3" grpId="0" build="p"/>
+    </p:bldLst>
+  </p:timing>
 </p:sld>
 </file>
 
@@ -10027,6 +10318,284 @@
   <p:clrMapOvr>
     <a:masterClrMapping/>
   </p:clrMapOvr>
+  <p:timing>
+    <p:tnLst>
+      <p:par>
+        <p:cTn id="1" dur="indefinite" restart="never" nodeType="tmRoot">
+          <p:childTnLst>
+            <p:seq concurrent="1" nextAc="seek">
+              <p:cTn id="2" dur="indefinite" nodeType="mainSeq">
+                <p:childTnLst>
+                  <p:par>
+                    <p:cTn id="3" fill="hold">
+                      <p:stCondLst>
+                        <p:cond delay="indefinite"/>
+                      </p:stCondLst>
+                      <p:childTnLst>
+                        <p:par>
+                          <p:cTn id="4" fill="hold">
+                            <p:stCondLst>
+                              <p:cond delay="0"/>
+                            </p:stCondLst>
+                            <p:childTnLst>
+                              <p:par>
+                                <p:cTn id="5" presetID="1" presetClass="entr" presetSubtype="0" fill="hold" grpId="0" nodeType="clickEffect">
+                                  <p:stCondLst>
+                                    <p:cond delay="0"/>
+                                  </p:stCondLst>
+                                  <p:childTnLst>
+                                    <p:set>
+                                      <p:cBhvr>
+                                        <p:cTn id="6" dur="1" fill="hold">
+                                          <p:stCondLst>
+                                            <p:cond delay="0"/>
+                                          </p:stCondLst>
+                                        </p:cTn>
+                                        <p:tgtEl>
+                                          <p:spTgt spid="3">
+                                            <p:txEl>
+                                              <p:pRg st="0" end="0"/>
+                                            </p:txEl>
+                                          </p:spTgt>
+                                        </p:tgtEl>
+                                        <p:attrNameLst>
+                                          <p:attrName>style.visibility</p:attrName>
+                                        </p:attrNameLst>
+                                      </p:cBhvr>
+                                      <p:to>
+                                        <p:strVal val="visible"/>
+                                      </p:to>
+                                    </p:set>
+                                  </p:childTnLst>
+                                </p:cTn>
+                              </p:par>
+                            </p:childTnLst>
+                          </p:cTn>
+                        </p:par>
+                      </p:childTnLst>
+                    </p:cTn>
+                  </p:par>
+                  <p:par>
+                    <p:cTn id="7" fill="hold">
+                      <p:stCondLst>
+                        <p:cond delay="indefinite"/>
+                      </p:stCondLst>
+                      <p:childTnLst>
+                        <p:par>
+                          <p:cTn id="8" fill="hold">
+                            <p:stCondLst>
+                              <p:cond delay="0"/>
+                            </p:stCondLst>
+                            <p:childTnLst>
+                              <p:par>
+                                <p:cTn id="9" presetID="1" presetClass="entr" presetSubtype="0" fill="hold" grpId="0" nodeType="clickEffect">
+                                  <p:stCondLst>
+                                    <p:cond delay="0"/>
+                                  </p:stCondLst>
+                                  <p:childTnLst>
+                                    <p:set>
+                                      <p:cBhvr>
+                                        <p:cTn id="10" dur="1" fill="hold">
+                                          <p:stCondLst>
+                                            <p:cond delay="0"/>
+                                          </p:stCondLst>
+                                        </p:cTn>
+                                        <p:tgtEl>
+                                          <p:spTgt spid="3">
+                                            <p:txEl>
+                                              <p:pRg st="1" end="1"/>
+                                            </p:txEl>
+                                          </p:spTgt>
+                                        </p:tgtEl>
+                                        <p:attrNameLst>
+                                          <p:attrName>style.visibility</p:attrName>
+                                        </p:attrNameLst>
+                                      </p:cBhvr>
+                                      <p:to>
+                                        <p:strVal val="visible"/>
+                                      </p:to>
+                                    </p:set>
+                                  </p:childTnLst>
+                                </p:cTn>
+                              </p:par>
+                            </p:childTnLst>
+                          </p:cTn>
+                        </p:par>
+                      </p:childTnLst>
+                    </p:cTn>
+                  </p:par>
+                  <p:par>
+                    <p:cTn id="11" fill="hold">
+                      <p:stCondLst>
+                        <p:cond delay="indefinite"/>
+                      </p:stCondLst>
+                      <p:childTnLst>
+                        <p:par>
+                          <p:cTn id="12" fill="hold">
+                            <p:stCondLst>
+                              <p:cond delay="0"/>
+                            </p:stCondLst>
+                            <p:childTnLst>
+                              <p:par>
+                                <p:cTn id="13" presetID="1" presetClass="entr" presetSubtype="0" fill="hold" grpId="0" nodeType="clickEffect">
+                                  <p:stCondLst>
+                                    <p:cond delay="0"/>
+                                  </p:stCondLst>
+                                  <p:childTnLst>
+                                    <p:set>
+                                      <p:cBhvr>
+                                        <p:cTn id="14" dur="1" fill="hold">
+                                          <p:stCondLst>
+                                            <p:cond delay="0"/>
+                                          </p:stCondLst>
+                                        </p:cTn>
+                                        <p:tgtEl>
+                                          <p:spTgt spid="3">
+                                            <p:txEl>
+                                              <p:pRg st="2" end="2"/>
+                                            </p:txEl>
+                                          </p:spTgt>
+                                        </p:tgtEl>
+                                        <p:attrNameLst>
+                                          <p:attrName>style.visibility</p:attrName>
+                                        </p:attrNameLst>
+                                      </p:cBhvr>
+                                      <p:to>
+                                        <p:strVal val="visible"/>
+                                      </p:to>
+                                    </p:set>
+                                  </p:childTnLst>
+                                </p:cTn>
+                              </p:par>
+                            </p:childTnLst>
+                          </p:cTn>
+                        </p:par>
+                      </p:childTnLst>
+                    </p:cTn>
+                  </p:par>
+                  <p:par>
+                    <p:cTn id="15" fill="hold">
+                      <p:stCondLst>
+                        <p:cond delay="indefinite"/>
+                      </p:stCondLst>
+                      <p:childTnLst>
+                        <p:par>
+                          <p:cTn id="16" fill="hold">
+                            <p:stCondLst>
+                              <p:cond delay="0"/>
+                            </p:stCondLst>
+                            <p:childTnLst>
+                              <p:par>
+                                <p:cTn id="17" presetID="1" presetClass="entr" presetSubtype="0" fill="hold" grpId="0" nodeType="clickEffect">
+                                  <p:stCondLst>
+                                    <p:cond delay="0"/>
+                                  </p:stCondLst>
+                                  <p:childTnLst>
+                                    <p:set>
+                                      <p:cBhvr>
+                                        <p:cTn id="18" dur="1" fill="hold">
+                                          <p:stCondLst>
+                                            <p:cond delay="0"/>
+                                          </p:stCondLst>
+                                        </p:cTn>
+                                        <p:tgtEl>
+                                          <p:spTgt spid="3">
+                                            <p:txEl>
+                                              <p:pRg st="3" end="3"/>
+                                            </p:txEl>
+                                          </p:spTgt>
+                                        </p:tgtEl>
+                                        <p:attrNameLst>
+                                          <p:attrName>style.visibility</p:attrName>
+                                        </p:attrNameLst>
+                                      </p:cBhvr>
+                                      <p:to>
+                                        <p:strVal val="visible"/>
+                                      </p:to>
+                                    </p:set>
+                                  </p:childTnLst>
+                                </p:cTn>
+                              </p:par>
+                            </p:childTnLst>
+                          </p:cTn>
+                        </p:par>
+                      </p:childTnLst>
+                    </p:cTn>
+                  </p:par>
+                  <p:par>
+                    <p:cTn id="19" fill="hold">
+                      <p:stCondLst>
+                        <p:cond delay="indefinite"/>
+                      </p:stCondLst>
+                      <p:childTnLst>
+                        <p:par>
+                          <p:cTn id="20" fill="hold">
+                            <p:stCondLst>
+                              <p:cond delay="0"/>
+                            </p:stCondLst>
+                            <p:childTnLst>
+                              <p:par>
+                                <p:cTn id="21" presetID="1" presetClass="entr" presetSubtype="0" fill="hold" grpId="0" nodeType="clickEffect">
+                                  <p:stCondLst>
+                                    <p:cond delay="0"/>
+                                  </p:stCondLst>
+                                  <p:childTnLst>
+                                    <p:set>
+                                      <p:cBhvr>
+                                        <p:cTn id="22" dur="1" fill="hold">
+                                          <p:stCondLst>
+                                            <p:cond delay="0"/>
+                                          </p:stCondLst>
+                                        </p:cTn>
+                                        <p:tgtEl>
+                                          <p:spTgt spid="3">
+                                            <p:txEl>
+                                              <p:pRg st="4" end="4"/>
+                                            </p:txEl>
+                                          </p:spTgt>
+                                        </p:tgtEl>
+                                        <p:attrNameLst>
+                                          <p:attrName>style.visibility</p:attrName>
+                                        </p:attrNameLst>
+                                      </p:cBhvr>
+                                      <p:to>
+                                        <p:strVal val="visible"/>
+                                      </p:to>
+                                    </p:set>
+                                  </p:childTnLst>
+                                </p:cTn>
+                              </p:par>
+                            </p:childTnLst>
+                          </p:cTn>
+                        </p:par>
+                      </p:childTnLst>
+                    </p:cTn>
+                  </p:par>
+                </p:childTnLst>
+              </p:cTn>
+              <p:prevCondLst>
+                <p:cond evt="onPrev" delay="0">
+                  <p:tgtEl>
+                    <p:sldTgt/>
+                  </p:tgtEl>
+                </p:cond>
+              </p:prevCondLst>
+              <p:nextCondLst>
+                <p:cond evt="onNext" delay="0">
+                  <p:tgtEl>
+                    <p:sldTgt/>
+                  </p:tgtEl>
+                </p:cond>
+              </p:nextCondLst>
+            </p:seq>
+          </p:childTnLst>
+        </p:cTn>
+      </p:par>
+    </p:tnLst>
+    <p:bldLst>
+      <p:bldP spid="3" grpId="0" build="p"/>
+    </p:bldLst>
+  </p:timing>
 </p:sld>
 </file>
 
@@ -10226,6 +10795,333 @@
   <p:clrMapOvr>
     <a:masterClrMapping/>
   </p:clrMapOvr>
+  <p:timing>
+    <p:tnLst>
+      <p:par>
+        <p:cTn id="1" dur="indefinite" restart="never" nodeType="tmRoot">
+          <p:childTnLst>
+            <p:seq concurrent="1" nextAc="seek">
+              <p:cTn id="2" dur="indefinite" nodeType="mainSeq">
+                <p:childTnLst>
+                  <p:par>
+                    <p:cTn id="3" fill="hold">
+                      <p:stCondLst>
+                        <p:cond delay="indefinite"/>
+                      </p:stCondLst>
+                      <p:childTnLst>
+                        <p:par>
+                          <p:cTn id="4" fill="hold">
+                            <p:stCondLst>
+                              <p:cond delay="0"/>
+                            </p:stCondLst>
+                            <p:childTnLst>
+                              <p:par>
+                                <p:cTn id="5" presetID="1" presetClass="entr" presetSubtype="0" fill="hold" grpId="0" nodeType="clickEffect">
+                                  <p:stCondLst>
+                                    <p:cond delay="0"/>
+                                  </p:stCondLst>
+                                  <p:childTnLst>
+                                    <p:set>
+                                      <p:cBhvr>
+                                        <p:cTn id="6" dur="1" fill="hold">
+                                          <p:stCondLst>
+                                            <p:cond delay="0"/>
+                                          </p:stCondLst>
+                                        </p:cTn>
+                                        <p:tgtEl>
+                                          <p:spTgt spid="3">
+                                            <p:txEl>
+                                              <p:pRg st="0" end="0"/>
+                                            </p:txEl>
+                                          </p:spTgt>
+                                        </p:tgtEl>
+                                        <p:attrNameLst>
+                                          <p:attrName>style.visibility</p:attrName>
+                                        </p:attrNameLst>
+                                      </p:cBhvr>
+                                      <p:to>
+                                        <p:strVal val="visible"/>
+                                      </p:to>
+                                    </p:set>
+                                  </p:childTnLst>
+                                </p:cTn>
+                              </p:par>
+                            </p:childTnLst>
+                          </p:cTn>
+                        </p:par>
+                      </p:childTnLst>
+                    </p:cTn>
+                  </p:par>
+                  <p:par>
+                    <p:cTn id="7" fill="hold">
+                      <p:stCondLst>
+                        <p:cond delay="indefinite"/>
+                      </p:stCondLst>
+                      <p:childTnLst>
+                        <p:par>
+                          <p:cTn id="8" fill="hold">
+                            <p:stCondLst>
+                              <p:cond delay="0"/>
+                            </p:stCondLst>
+                            <p:childTnLst>
+                              <p:par>
+                                <p:cTn id="9" presetID="1" presetClass="entr" presetSubtype="0" fill="hold" grpId="0" nodeType="clickEffect">
+                                  <p:stCondLst>
+                                    <p:cond delay="0"/>
+                                  </p:stCondLst>
+                                  <p:childTnLst>
+                                    <p:set>
+                                      <p:cBhvr>
+                                        <p:cTn id="10" dur="1" fill="hold">
+                                          <p:stCondLst>
+                                            <p:cond delay="0"/>
+                                          </p:stCondLst>
+                                        </p:cTn>
+                                        <p:tgtEl>
+                                          <p:spTgt spid="3">
+                                            <p:txEl>
+                                              <p:pRg st="1" end="1"/>
+                                            </p:txEl>
+                                          </p:spTgt>
+                                        </p:tgtEl>
+                                        <p:attrNameLst>
+                                          <p:attrName>style.visibility</p:attrName>
+                                        </p:attrNameLst>
+                                      </p:cBhvr>
+                                      <p:to>
+                                        <p:strVal val="visible"/>
+                                      </p:to>
+                                    </p:set>
+                                  </p:childTnLst>
+                                </p:cTn>
+                              </p:par>
+                            </p:childTnLst>
+                          </p:cTn>
+                        </p:par>
+                      </p:childTnLst>
+                    </p:cTn>
+                  </p:par>
+                  <p:par>
+                    <p:cTn id="11" fill="hold">
+                      <p:stCondLst>
+                        <p:cond delay="indefinite"/>
+                      </p:stCondLst>
+                      <p:childTnLst>
+                        <p:par>
+                          <p:cTn id="12" fill="hold">
+                            <p:stCondLst>
+                              <p:cond delay="0"/>
+                            </p:stCondLst>
+                            <p:childTnLst>
+                              <p:par>
+                                <p:cTn id="13" presetID="1" presetClass="entr" presetSubtype="0" fill="hold" grpId="0" nodeType="clickEffect">
+                                  <p:stCondLst>
+                                    <p:cond delay="0"/>
+                                  </p:stCondLst>
+                                  <p:childTnLst>
+                                    <p:set>
+                                      <p:cBhvr>
+                                        <p:cTn id="14" dur="1" fill="hold">
+                                          <p:stCondLst>
+                                            <p:cond delay="0"/>
+                                          </p:stCondLst>
+                                        </p:cTn>
+                                        <p:tgtEl>
+                                          <p:spTgt spid="3">
+                                            <p:txEl>
+                                              <p:pRg st="2" end="2"/>
+                                            </p:txEl>
+                                          </p:spTgt>
+                                        </p:tgtEl>
+                                        <p:attrNameLst>
+                                          <p:attrName>style.visibility</p:attrName>
+                                        </p:attrNameLst>
+                                      </p:cBhvr>
+                                      <p:to>
+                                        <p:strVal val="visible"/>
+                                      </p:to>
+                                    </p:set>
+                                  </p:childTnLst>
+                                </p:cTn>
+                              </p:par>
+                            </p:childTnLst>
+                          </p:cTn>
+                        </p:par>
+                      </p:childTnLst>
+                    </p:cTn>
+                  </p:par>
+                  <p:par>
+                    <p:cTn id="15" fill="hold">
+                      <p:stCondLst>
+                        <p:cond delay="indefinite"/>
+                      </p:stCondLst>
+                      <p:childTnLst>
+                        <p:par>
+                          <p:cTn id="16" fill="hold">
+                            <p:stCondLst>
+                              <p:cond delay="0"/>
+                            </p:stCondLst>
+                            <p:childTnLst>
+                              <p:par>
+                                <p:cTn id="17" presetID="1" presetClass="entr" presetSubtype="0" fill="hold" grpId="0" nodeType="clickEffect">
+                                  <p:stCondLst>
+                                    <p:cond delay="0"/>
+                                  </p:stCondLst>
+                                  <p:childTnLst>
+                                    <p:set>
+                                      <p:cBhvr>
+                                        <p:cTn id="18" dur="1" fill="hold">
+                                          <p:stCondLst>
+                                            <p:cond delay="0"/>
+                                          </p:stCondLst>
+                                        </p:cTn>
+                                        <p:tgtEl>
+                                          <p:spTgt spid="3">
+                                            <p:txEl>
+                                              <p:pRg st="3" end="3"/>
+                                            </p:txEl>
+                                          </p:spTgt>
+                                        </p:tgtEl>
+                                        <p:attrNameLst>
+                                          <p:attrName>style.visibility</p:attrName>
+                                        </p:attrNameLst>
+                                      </p:cBhvr>
+                                      <p:to>
+                                        <p:strVal val="visible"/>
+                                      </p:to>
+                                    </p:set>
+                                  </p:childTnLst>
+                                </p:cTn>
+                              </p:par>
+                            </p:childTnLst>
+                          </p:cTn>
+                        </p:par>
+                      </p:childTnLst>
+                    </p:cTn>
+                  </p:par>
+                  <p:par>
+                    <p:cTn id="19" fill="hold">
+                      <p:stCondLst>
+                        <p:cond delay="indefinite"/>
+                      </p:stCondLst>
+                      <p:childTnLst>
+                        <p:par>
+                          <p:cTn id="20" fill="hold">
+                            <p:stCondLst>
+                              <p:cond delay="0"/>
+                            </p:stCondLst>
+                            <p:childTnLst>
+                              <p:par>
+                                <p:cTn id="21" presetID="1" presetClass="entr" presetSubtype="0" fill="hold" grpId="0" nodeType="clickEffect">
+                                  <p:stCondLst>
+                                    <p:cond delay="0"/>
+                                  </p:stCondLst>
+                                  <p:childTnLst>
+                                    <p:set>
+                                      <p:cBhvr>
+                                        <p:cTn id="22" dur="1" fill="hold">
+                                          <p:stCondLst>
+                                            <p:cond delay="0"/>
+                                          </p:stCondLst>
+                                        </p:cTn>
+                                        <p:tgtEl>
+                                          <p:spTgt spid="3">
+                                            <p:txEl>
+                                              <p:pRg st="4" end="4"/>
+                                            </p:txEl>
+                                          </p:spTgt>
+                                        </p:tgtEl>
+                                        <p:attrNameLst>
+                                          <p:attrName>style.visibility</p:attrName>
+                                        </p:attrNameLst>
+                                      </p:cBhvr>
+                                      <p:to>
+                                        <p:strVal val="visible"/>
+                                      </p:to>
+                                    </p:set>
+                                  </p:childTnLst>
+                                </p:cTn>
+                              </p:par>
+                            </p:childTnLst>
+                          </p:cTn>
+                        </p:par>
+                      </p:childTnLst>
+                    </p:cTn>
+                  </p:par>
+                  <p:par>
+                    <p:cTn id="23" fill="hold">
+                      <p:stCondLst>
+                        <p:cond delay="indefinite"/>
+                      </p:stCondLst>
+                      <p:childTnLst>
+                        <p:par>
+                          <p:cTn id="24" fill="hold">
+                            <p:stCondLst>
+                              <p:cond delay="0"/>
+                            </p:stCondLst>
+                            <p:childTnLst>
+                              <p:par>
+                                <p:cTn id="25" presetID="1" presetClass="entr" presetSubtype="0" fill="hold" grpId="0" nodeType="clickEffect">
+                                  <p:stCondLst>
+                                    <p:cond delay="0"/>
+                                  </p:stCondLst>
+                                  <p:childTnLst>
+                                    <p:set>
+                                      <p:cBhvr>
+                                        <p:cTn id="26" dur="1" fill="hold">
+                                          <p:stCondLst>
+                                            <p:cond delay="0"/>
+                                          </p:stCondLst>
+                                        </p:cTn>
+                                        <p:tgtEl>
+                                          <p:spTgt spid="3">
+                                            <p:txEl>
+                                              <p:pRg st="5" end="5"/>
+                                            </p:txEl>
+                                          </p:spTgt>
+                                        </p:tgtEl>
+                                        <p:attrNameLst>
+                                          <p:attrName>style.visibility</p:attrName>
+                                        </p:attrNameLst>
+                                      </p:cBhvr>
+                                      <p:to>
+                                        <p:strVal val="visible"/>
+                                      </p:to>
+                                    </p:set>
+                                  </p:childTnLst>
+                                </p:cTn>
+                              </p:par>
+                            </p:childTnLst>
+                          </p:cTn>
+                        </p:par>
+                      </p:childTnLst>
+                    </p:cTn>
+                  </p:par>
+                </p:childTnLst>
+              </p:cTn>
+              <p:prevCondLst>
+                <p:cond evt="onPrev" delay="0">
+                  <p:tgtEl>
+                    <p:sldTgt/>
+                  </p:tgtEl>
+                </p:cond>
+              </p:prevCondLst>
+              <p:nextCondLst>
+                <p:cond evt="onNext" delay="0">
+                  <p:tgtEl>
+                    <p:sldTgt/>
+                  </p:tgtEl>
+                </p:cond>
+              </p:nextCondLst>
+            </p:seq>
+          </p:childTnLst>
+        </p:cTn>
+      </p:par>
+    </p:tnLst>
+    <p:bldLst>
+      <p:bldP spid="3" grpId="0" build="p"/>
+    </p:bldLst>
+  </p:timing>
 </p:sld>
 </file>
 
@@ -10336,6 +11232,284 @@
   <p:clrMapOvr>
     <a:masterClrMapping/>
   </p:clrMapOvr>
+  <p:timing>
+    <p:tnLst>
+      <p:par>
+        <p:cTn id="1" dur="indefinite" restart="never" nodeType="tmRoot">
+          <p:childTnLst>
+            <p:seq concurrent="1" nextAc="seek">
+              <p:cTn id="2" dur="indefinite" nodeType="mainSeq">
+                <p:childTnLst>
+                  <p:par>
+                    <p:cTn id="3" fill="hold">
+                      <p:stCondLst>
+                        <p:cond delay="indefinite"/>
+                      </p:stCondLst>
+                      <p:childTnLst>
+                        <p:par>
+                          <p:cTn id="4" fill="hold">
+                            <p:stCondLst>
+                              <p:cond delay="0"/>
+                            </p:stCondLst>
+                            <p:childTnLst>
+                              <p:par>
+                                <p:cTn id="5" presetID="1" presetClass="entr" presetSubtype="0" fill="hold" grpId="0" nodeType="clickEffect">
+                                  <p:stCondLst>
+                                    <p:cond delay="0"/>
+                                  </p:stCondLst>
+                                  <p:childTnLst>
+                                    <p:set>
+                                      <p:cBhvr>
+                                        <p:cTn id="6" dur="1" fill="hold">
+                                          <p:stCondLst>
+                                            <p:cond delay="0"/>
+                                          </p:stCondLst>
+                                        </p:cTn>
+                                        <p:tgtEl>
+                                          <p:spTgt spid="3">
+                                            <p:txEl>
+                                              <p:pRg st="0" end="0"/>
+                                            </p:txEl>
+                                          </p:spTgt>
+                                        </p:tgtEl>
+                                        <p:attrNameLst>
+                                          <p:attrName>style.visibility</p:attrName>
+                                        </p:attrNameLst>
+                                      </p:cBhvr>
+                                      <p:to>
+                                        <p:strVal val="visible"/>
+                                      </p:to>
+                                    </p:set>
+                                  </p:childTnLst>
+                                </p:cTn>
+                              </p:par>
+                            </p:childTnLst>
+                          </p:cTn>
+                        </p:par>
+                      </p:childTnLst>
+                    </p:cTn>
+                  </p:par>
+                  <p:par>
+                    <p:cTn id="7" fill="hold">
+                      <p:stCondLst>
+                        <p:cond delay="indefinite"/>
+                      </p:stCondLst>
+                      <p:childTnLst>
+                        <p:par>
+                          <p:cTn id="8" fill="hold">
+                            <p:stCondLst>
+                              <p:cond delay="0"/>
+                            </p:stCondLst>
+                            <p:childTnLst>
+                              <p:par>
+                                <p:cTn id="9" presetID="1" presetClass="entr" presetSubtype="0" fill="hold" grpId="0" nodeType="clickEffect">
+                                  <p:stCondLst>
+                                    <p:cond delay="0"/>
+                                  </p:stCondLst>
+                                  <p:childTnLst>
+                                    <p:set>
+                                      <p:cBhvr>
+                                        <p:cTn id="10" dur="1" fill="hold">
+                                          <p:stCondLst>
+                                            <p:cond delay="0"/>
+                                          </p:stCondLst>
+                                        </p:cTn>
+                                        <p:tgtEl>
+                                          <p:spTgt spid="3">
+                                            <p:txEl>
+                                              <p:pRg st="1" end="1"/>
+                                            </p:txEl>
+                                          </p:spTgt>
+                                        </p:tgtEl>
+                                        <p:attrNameLst>
+                                          <p:attrName>style.visibility</p:attrName>
+                                        </p:attrNameLst>
+                                      </p:cBhvr>
+                                      <p:to>
+                                        <p:strVal val="visible"/>
+                                      </p:to>
+                                    </p:set>
+                                  </p:childTnLst>
+                                </p:cTn>
+                              </p:par>
+                            </p:childTnLst>
+                          </p:cTn>
+                        </p:par>
+                      </p:childTnLst>
+                    </p:cTn>
+                  </p:par>
+                  <p:par>
+                    <p:cTn id="11" fill="hold">
+                      <p:stCondLst>
+                        <p:cond delay="indefinite"/>
+                      </p:stCondLst>
+                      <p:childTnLst>
+                        <p:par>
+                          <p:cTn id="12" fill="hold">
+                            <p:stCondLst>
+                              <p:cond delay="0"/>
+                            </p:stCondLst>
+                            <p:childTnLst>
+                              <p:par>
+                                <p:cTn id="13" presetID="1" presetClass="entr" presetSubtype="0" fill="hold" grpId="0" nodeType="clickEffect">
+                                  <p:stCondLst>
+                                    <p:cond delay="0"/>
+                                  </p:stCondLst>
+                                  <p:childTnLst>
+                                    <p:set>
+                                      <p:cBhvr>
+                                        <p:cTn id="14" dur="1" fill="hold">
+                                          <p:stCondLst>
+                                            <p:cond delay="0"/>
+                                          </p:stCondLst>
+                                        </p:cTn>
+                                        <p:tgtEl>
+                                          <p:spTgt spid="3">
+                                            <p:txEl>
+                                              <p:pRg st="2" end="2"/>
+                                            </p:txEl>
+                                          </p:spTgt>
+                                        </p:tgtEl>
+                                        <p:attrNameLst>
+                                          <p:attrName>style.visibility</p:attrName>
+                                        </p:attrNameLst>
+                                      </p:cBhvr>
+                                      <p:to>
+                                        <p:strVal val="visible"/>
+                                      </p:to>
+                                    </p:set>
+                                  </p:childTnLst>
+                                </p:cTn>
+                              </p:par>
+                            </p:childTnLst>
+                          </p:cTn>
+                        </p:par>
+                      </p:childTnLst>
+                    </p:cTn>
+                  </p:par>
+                  <p:par>
+                    <p:cTn id="15" fill="hold">
+                      <p:stCondLst>
+                        <p:cond delay="indefinite"/>
+                      </p:stCondLst>
+                      <p:childTnLst>
+                        <p:par>
+                          <p:cTn id="16" fill="hold">
+                            <p:stCondLst>
+                              <p:cond delay="0"/>
+                            </p:stCondLst>
+                            <p:childTnLst>
+                              <p:par>
+                                <p:cTn id="17" presetID="1" presetClass="entr" presetSubtype="0" fill="hold" grpId="0" nodeType="clickEffect">
+                                  <p:stCondLst>
+                                    <p:cond delay="0"/>
+                                  </p:stCondLst>
+                                  <p:childTnLst>
+                                    <p:set>
+                                      <p:cBhvr>
+                                        <p:cTn id="18" dur="1" fill="hold">
+                                          <p:stCondLst>
+                                            <p:cond delay="0"/>
+                                          </p:stCondLst>
+                                        </p:cTn>
+                                        <p:tgtEl>
+                                          <p:spTgt spid="3">
+                                            <p:txEl>
+                                              <p:pRg st="3" end="3"/>
+                                            </p:txEl>
+                                          </p:spTgt>
+                                        </p:tgtEl>
+                                        <p:attrNameLst>
+                                          <p:attrName>style.visibility</p:attrName>
+                                        </p:attrNameLst>
+                                      </p:cBhvr>
+                                      <p:to>
+                                        <p:strVal val="visible"/>
+                                      </p:to>
+                                    </p:set>
+                                  </p:childTnLst>
+                                </p:cTn>
+                              </p:par>
+                            </p:childTnLst>
+                          </p:cTn>
+                        </p:par>
+                      </p:childTnLst>
+                    </p:cTn>
+                  </p:par>
+                  <p:par>
+                    <p:cTn id="19" fill="hold">
+                      <p:stCondLst>
+                        <p:cond delay="indefinite"/>
+                      </p:stCondLst>
+                      <p:childTnLst>
+                        <p:par>
+                          <p:cTn id="20" fill="hold">
+                            <p:stCondLst>
+                              <p:cond delay="0"/>
+                            </p:stCondLst>
+                            <p:childTnLst>
+                              <p:par>
+                                <p:cTn id="21" presetID="1" presetClass="entr" presetSubtype="0" fill="hold" grpId="0" nodeType="clickEffect">
+                                  <p:stCondLst>
+                                    <p:cond delay="0"/>
+                                  </p:stCondLst>
+                                  <p:childTnLst>
+                                    <p:set>
+                                      <p:cBhvr>
+                                        <p:cTn id="22" dur="1" fill="hold">
+                                          <p:stCondLst>
+                                            <p:cond delay="0"/>
+                                          </p:stCondLst>
+                                        </p:cTn>
+                                        <p:tgtEl>
+                                          <p:spTgt spid="3">
+                                            <p:txEl>
+                                              <p:pRg st="4" end="4"/>
+                                            </p:txEl>
+                                          </p:spTgt>
+                                        </p:tgtEl>
+                                        <p:attrNameLst>
+                                          <p:attrName>style.visibility</p:attrName>
+                                        </p:attrNameLst>
+                                      </p:cBhvr>
+                                      <p:to>
+                                        <p:strVal val="visible"/>
+                                      </p:to>
+                                    </p:set>
+                                  </p:childTnLst>
+                                </p:cTn>
+                              </p:par>
+                            </p:childTnLst>
+                          </p:cTn>
+                        </p:par>
+                      </p:childTnLst>
+                    </p:cTn>
+                  </p:par>
+                </p:childTnLst>
+              </p:cTn>
+              <p:prevCondLst>
+                <p:cond evt="onPrev" delay="0">
+                  <p:tgtEl>
+                    <p:sldTgt/>
+                  </p:tgtEl>
+                </p:cond>
+              </p:prevCondLst>
+              <p:nextCondLst>
+                <p:cond evt="onNext" delay="0">
+                  <p:tgtEl>
+                    <p:sldTgt/>
+                  </p:tgtEl>
+                </p:cond>
+              </p:nextCondLst>
+            </p:seq>
+          </p:childTnLst>
+        </p:cTn>
+      </p:par>
+    </p:tnLst>
+    <p:bldLst>
+      <p:bldP spid="3" grpId="0" build="p"/>
+    </p:bldLst>
+  </p:timing>
 </p:sld>
 </file>
 
@@ -10455,6 +11629,279 @@
   <p:clrMapOvr>
     <a:masterClrMapping/>
   </p:clrMapOvr>
+  <p:timing>
+    <p:tnLst>
+      <p:par>
+        <p:cTn id="1" dur="indefinite" restart="never" nodeType="tmRoot">
+          <p:childTnLst>
+            <p:seq concurrent="1" nextAc="seek">
+              <p:cTn id="2" dur="indefinite" nodeType="mainSeq">
+                <p:childTnLst>
+                  <p:par>
+                    <p:cTn id="3" fill="hold">
+                      <p:stCondLst>
+                        <p:cond delay="indefinite"/>
+                      </p:stCondLst>
+                      <p:childTnLst>
+                        <p:par>
+                          <p:cTn id="4" fill="hold">
+                            <p:stCondLst>
+                              <p:cond delay="0"/>
+                            </p:stCondLst>
+                            <p:childTnLst>
+                              <p:par>
+                                <p:cTn id="5" presetID="1" presetClass="entr" presetSubtype="0" fill="hold" grpId="0" nodeType="clickEffect">
+                                  <p:stCondLst>
+                                    <p:cond delay="0"/>
+                                  </p:stCondLst>
+                                  <p:childTnLst>
+                                    <p:set>
+                                      <p:cBhvr>
+                                        <p:cTn id="6" dur="1" fill="hold">
+                                          <p:stCondLst>
+                                            <p:cond delay="0"/>
+                                          </p:stCondLst>
+                                        </p:cTn>
+                                        <p:tgtEl>
+                                          <p:spTgt spid="3">
+                                            <p:txEl>
+                                              <p:pRg st="0" end="0"/>
+                                            </p:txEl>
+                                          </p:spTgt>
+                                        </p:tgtEl>
+                                        <p:attrNameLst>
+                                          <p:attrName>style.visibility</p:attrName>
+                                        </p:attrNameLst>
+                                      </p:cBhvr>
+                                      <p:to>
+                                        <p:strVal val="visible"/>
+                                      </p:to>
+                                    </p:set>
+                                  </p:childTnLst>
+                                </p:cTn>
+                              </p:par>
+                              <p:par>
+                                <p:cTn id="7" presetID="1" presetClass="entr" presetSubtype="0" fill="hold" grpId="0" nodeType="withEffect">
+                                  <p:stCondLst>
+                                    <p:cond delay="0"/>
+                                  </p:stCondLst>
+                                  <p:childTnLst>
+                                    <p:set>
+                                      <p:cBhvr>
+                                        <p:cTn id="8" dur="1" fill="hold">
+                                          <p:stCondLst>
+                                            <p:cond delay="0"/>
+                                          </p:stCondLst>
+                                        </p:cTn>
+                                        <p:tgtEl>
+                                          <p:spTgt spid="3">
+                                            <p:txEl>
+                                              <p:pRg st="1" end="1"/>
+                                            </p:txEl>
+                                          </p:spTgt>
+                                        </p:tgtEl>
+                                        <p:attrNameLst>
+                                          <p:attrName>style.visibility</p:attrName>
+                                        </p:attrNameLst>
+                                      </p:cBhvr>
+                                      <p:to>
+                                        <p:strVal val="visible"/>
+                                      </p:to>
+                                    </p:set>
+                                  </p:childTnLst>
+                                </p:cTn>
+                              </p:par>
+                              <p:par>
+                                <p:cTn id="9" presetID="1" presetClass="entr" presetSubtype="0" fill="hold" grpId="0" nodeType="withEffect">
+                                  <p:stCondLst>
+                                    <p:cond delay="0"/>
+                                  </p:stCondLst>
+                                  <p:childTnLst>
+                                    <p:set>
+                                      <p:cBhvr>
+                                        <p:cTn id="10" dur="1" fill="hold">
+                                          <p:stCondLst>
+                                            <p:cond delay="0"/>
+                                          </p:stCondLst>
+                                        </p:cTn>
+                                        <p:tgtEl>
+                                          <p:spTgt spid="3">
+                                            <p:txEl>
+                                              <p:pRg st="2" end="2"/>
+                                            </p:txEl>
+                                          </p:spTgt>
+                                        </p:tgtEl>
+                                        <p:attrNameLst>
+                                          <p:attrName>style.visibility</p:attrName>
+                                        </p:attrNameLst>
+                                      </p:cBhvr>
+                                      <p:to>
+                                        <p:strVal val="visible"/>
+                                      </p:to>
+                                    </p:set>
+                                  </p:childTnLst>
+                                </p:cTn>
+                              </p:par>
+                            </p:childTnLst>
+                          </p:cTn>
+                        </p:par>
+                      </p:childTnLst>
+                    </p:cTn>
+                  </p:par>
+                  <p:par>
+                    <p:cTn id="11" fill="hold">
+                      <p:stCondLst>
+                        <p:cond delay="indefinite"/>
+                      </p:stCondLst>
+                      <p:childTnLst>
+                        <p:par>
+                          <p:cTn id="12" fill="hold">
+                            <p:stCondLst>
+                              <p:cond delay="0"/>
+                            </p:stCondLst>
+                            <p:childTnLst>
+                              <p:par>
+                                <p:cTn id="13" presetID="1" presetClass="entr" presetSubtype="0" fill="hold" grpId="0" nodeType="clickEffect">
+                                  <p:stCondLst>
+                                    <p:cond delay="0"/>
+                                  </p:stCondLst>
+                                  <p:childTnLst>
+                                    <p:set>
+                                      <p:cBhvr>
+                                        <p:cTn id="14" dur="1" fill="hold">
+                                          <p:stCondLst>
+                                            <p:cond delay="0"/>
+                                          </p:stCondLst>
+                                        </p:cTn>
+                                        <p:tgtEl>
+                                          <p:spTgt spid="3">
+                                            <p:txEl>
+                                              <p:pRg st="3" end="3"/>
+                                            </p:txEl>
+                                          </p:spTgt>
+                                        </p:tgtEl>
+                                        <p:attrNameLst>
+                                          <p:attrName>style.visibility</p:attrName>
+                                        </p:attrNameLst>
+                                      </p:cBhvr>
+                                      <p:to>
+                                        <p:strVal val="visible"/>
+                                      </p:to>
+                                    </p:set>
+                                  </p:childTnLst>
+                                </p:cTn>
+                              </p:par>
+                              <p:par>
+                                <p:cTn id="15" presetID="1" presetClass="entr" presetSubtype="0" fill="hold" grpId="0" nodeType="withEffect">
+                                  <p:stCondLst>
+                                    <p:cond delay="0"/>
+                                  </p:stCondLst>
+                                  <p:childTnLst>
+                                    <p:set>
+                                      <p:cBhvr>
+                                        <p:cTn id="16" dur="1" fill="hold">
+                                          <p:stCondLst>
+                                            <p:cond delay="0"/>
+                                          </p:stCondLst>
+                                        </p:cTn>
+                                        <p:tgtEl>
+                                          <p:spTgt spid="3">
+                                            <p:txEl>
+                                              <p:pRg st="4" end="4"/>
+                                            </p:txEl>
+                                          </p:spTgt>
+                                        </p:tgtEl>
+                                        <p:attrNameLst>
+                                          <p:attrName>style.visibility</p:attrName>
+                                        </p:attrNameLst>
+                                      </p:cBhvr>
+                                      <p:to>
+                                        <p:strVal val="visible"/>
+                                      </p:to>
+                                    </p:set>
+                                  </p:childTnLst>
+                                </p:cTn>
+                              </p:par>
+                            </p:childTnLst>
+                          </p:cTn>
+                        </p:par>
+                      </p:childTnLst>
+                    </p:cTn>
+                  </p:par>
+                  <p:par>
+                    <p:cTn id="17" fill="hold">
+                      <p:stCondLst>
+                        <p:cond delay="indefinite"/>
+                      </p:stCondLst>
+                      <p:childTnLst>
+                        <p:par>
+                          <p:cTn id="18" fill="hold">
+                            <p:stCondLst>
+                              <p:cond delay="0"/>
+                            </p:stCondLst>
+                            <p:childTnLst>
+                              <p:par>
+                                <p:cTn id="19" presetID="1" presetClass="entr" presetSubtype="0" fill="hold" grpId="0" nodeType="clickEffect">
+                                  <p:stCondLst>
+                                    <p:cond delay="0"/>
+                                  </p:stCondLst>
+                                  <p:childTnLst>
+                                    <p:set>
+                                      <p:cBhvr>
+                                        <p:cTn id="20" dur="1" fill="hold">
+                                          <p:stCondLst>
+                                            <p:cond delay="0"/>
+                                          </p:stCondLst>
+                                        </p:cTn>
+                                        <p:tgtEl>
+                                          <p:spTgt spid="3">
+                                            <p:txEl>
+                                              <p:pRg st="5" end="5"/>
+                                            </p:txEl>
+                                          </p:spTgt>
+                                        </p:tgtEl>
+                                        <p:attrNameLst>
+                                          <p:attrName>style.visibility</p:attrName>
+                                        </p:attrNameLst>
+                                      </p:cBhvr>
+                                      <p:to>
+                                        <p:strVal val="visible"/>
+                                      </p:to>
+                                    </p:set>
+                                  </p:childTnLst>
+                                </p:cTn>
+                              </p:par>
+                            </p:childTnLst>
+                          </p:cTn>
+                        </p:par>
+                      </p:childTnLst>
+                    </p:cTn>
+                  </p:par>
+                </p:childTnLst>
+              </p:cTn>
+              <p:prevCondLst>
+                <p:cond evt="onPrev" delay="0">
+                  <p:tgtEl>
+                    <p:sldTgt/>
+                  </p:tgtEl>
+                </p:cond>
+              </p:prevCondLst>
+              <p:nextCondLst>
+                <p:cond evt="onNext" delay="0">
+                  <p:tgtEl>
+                    <p:sldTgt/>
+                  </p:tgtEl>
+                </p:cond>
+              </p:nextCondLst>
+            </p:seq>
+          </p:childTnLst>
+        </p:cTn>
+      </p:par>
+    </p:tnLst>
+    <p:bldLst>
+      <p:bldP spid="3" grpId="0" build="p"/>
+    </p:bldLst>
+  </p:timing>
 </p:sld>
 </file>
 
@@ -13723,8 +15170,8 @@
         </p:nvSpPr>
         <p:spPr>
           <a:xfrm>
-            <a:off x="-1" y="0"/>
-            <a:ext cx="12192001" cy="6858000"/>
+            <a:off x="-1" y="1761066"/>
+            <a:ext cx="12192001" cy="3335867"/>
           </a:xfrm>
         </p:spPr>
         <p:txBody>
@@ -13735,14 +15182,7 @@
           <a:p>
             <a:r>
               <a:rPr lang="en-US" sz="25800" dirty="0"/>
-              <a:t>DOC</a:t>
-            </a:r>
-            <a:br>
-              <a:rPr lang="en-US" sz="25800" dirty="0"/>
-            </a:br>
-            <a:r>
-              <a:rPr lang="en-US" sz="25800" dirty="0"/>
-              <a:t>PAC</a:t>
+              <a:t>DOCPAC</a:t>
             </a:r>
             <a:endParaRPr lang="en-US" sz="4400" dirty="0"/>
           </a:p>
@@ -13882,6 +15322,430 @@
   <p:clrMapOvr>
     <a:masterClrMapping/>
   </p:clrMapOvr>
+  <p:timing>
+    <p:tnLst>
+      <p:par>
+        <p:cTn id="1" dur="indefinite" restart="never" nodeType="tmRoot">
+          <p:childTnLst>
+            <p:seq concurrent="1" nextAc="seek">
+              <p:cTn id="2" dur="indefinite" nodeType="mainSeq">
+                <p:childTnLst>
+                  <p:par>
+                    <p:cTn id="3" fill="hold">
+                      <p:stCondLst>
+                        <p:cond delay="indefinite"/>
+                      </p:stCondLst>
+                      <p:childTnLst>
+                        <p:par>
+                          <p:cTn id="4" fill="hold">
+                            <p:stCondLst>
+                              <p:cond delay="0"/>
+                            </p:stCondLst>
+                            <p:childTnLst>
+                              <p:par>
+                                <p:cTn id="5" presetID="10" presetClass="entr" presetSubtype="0" fill="hold" grpId="0" nodeType="clickEffect">
+                                  <p:stCondLst>
+                                    <p:cond delay="0"/>
+                                  </p:stCondLst>
+                                  <p:childTnLst>
+                                    <p:set>
+                                      <p:cBhvr>
+                                        <p:cTn id="6" dur="1" fill="hold">
+                                          <p:stCondLst>
+                                            <p:cond delay="0"/>
+                                          </p:stCondLst>
+                                        </p:cTn>
+                                        <p:tgtEl>
+                                          <p:spTgt spid="3">
+                                            <p:txEl>
+                                              <p:pRg st="0" end="0"/>
+                                            </p:txEl>
+                                          </p:spTgt>
+                                        </p:tgtEl>
+                                        <p:attrNameLst>
+                                          <p:attrName>style.visibility</p:attrName>
+                                        </p:attrNameLst>
+                                      </p:cBhvr>
+                                      <p:to>
+                                        <p:strVal val="visible"/>
+                                      </p:to>
+                                    </p:set>
+                                    <p:animEffect transition="in" filter="fade">
+                                      <p:cBhvr>
+                                        <p:cTn id="7" dur="500"/>
+                                        <p:tgtEl>
+                                          <p:spTgt spid="3">
+                                            <p:txEl>
+                                              <p:pRg st="0" end="0"/>
+                                            </p:txEl>
+                                          </p:spTgt>
+                                        </p:tgtEl>
+                                      </p:cBhvr>
+                                    </p:animEffect>
+                                  </p:childTnLst>
+                                </p:cTn>
+                              </p:par>
+                            </p:childTnLst>
+                          </p:cTn>
+                        </p:par>
+                      </p:childTnLst>
+                    </p:cTn>
+                  </p:par>
+                  <p:par>
+                    <p:cTn id="8" fill="hold">
+                      <p:stCondLst>
+                        <p:cond delay="indefinite"/>
+                      </p:stCondLst>
+                      <p:childTnLst>
+                        <p:par>
+                          <p:cTn id="9" fill="hold">
+                            <p:stCondLst>
+                              <p:cond delay="0"/>
+                            </p:stCondLst>
+                            <p:childTnLst>
+                              <p:par>
+                                <p:cTn id="10" presetID="10" presetClass="entr" presetSubtype="0" fill="hold" grpId="0" nodeType="clickEffect">
+                                  <p:stCondLst>
+                                    <p:cond delay="0"/>
+                                  </p:stCondLst>
+                                  <p:childTnLst>
+                                    <p:set>
+                                      <p:cBhvr>
+                                        <p:cTn id="11" dur="1" fill="hold">
+                                          <p:stCondLst>
+                                            <p:cond delay="0"/>
+                                          </p:stCondLst>
+                                        </p:cTn>
+                                        <p:tgtEl>
+                                          <p:spTgt spid="3">
+                                            <p:txEl>
+                                              <p:pRg st="1" end="1"/>
+                                            </p:txEl>
+                                          </p:spTgt>
+                                        </p:tgtEl>
+                                        <p:attrNameLst>
+                                          <p:attrName>style.visibility</p:attrName>
+                                        </p:attrNameLst>
+                                      </p:cBhvr>
+                                      <p:to>
+                                        <p:strVal val="visible"/>
+                                      </p:to>
+                                    </p:set>
+                                    <p:animEffect transition="in" filter="fade">
+                                      <p:cBhvr>
+                                        <p:cTn id="12" dur="500"/>
+                                        <p:tgtEl>
+                                          <p:spTgt spid="3">
+                                            <p:txEl>
+                                              <p:pRg st="1" end="1"/>
+                                            </p:txEl>
+                                          </p:spTgt>
+                                        </p:tgtEl>
+                                      </p:cBhvr>
+                                    </p:animEffect>
+                                  </p:childTnLst>
+                                </p:cTn>
+                              </p:par>
+                              <p:par>
+                                <p:cTn id="13" presetID="10" presetClass="entr" presetSubtype="0" fill="hold" grpId="0" nodeType="withEffect">
+                                  <p:stCondLst>
+                                    <p:cond delay="0"/>
+                                  </p:stCondLst>
+                                  <p:childTnLst>
+                                    <p:set>
+                                      <p:cBhvr>
+                                        <p:cTn id="14" dur="1" fill="hold">
+                                          <p:stCondLst>
+                                            <p:cond delay="0"/>
+                                          </p:stCondLst>
+                                        </p:cTn>
+                                        <p:tgtEl>
+                                          <p:spTgt spid="3">
+                                            <p:txEl>
+                                              <p:pRg st="2" end="2"/>
+                                            </p:txEl>
+                                          </p:spTgt>
+                                        </p:tgtEl>
+                                        <p:attrNameLst>
+                                          <p:attrName>style.visibility</p:attrName>
+                                        </p:attrNameLst>
+                                      </p:cBhvr>
+                                      <p:to>
+                                        <p:strVal val="visible"/>
+                                      </p:to>
+                                    </p:set>
+                                    <p:animEffect transition="in" filter="fade">
+                                      <p:cBhvr>
+                                        <p:cTn id="15" dur="500"/>
+                                        <p:tgtEl>
+                                          <p:spTgt spid="3">
+                                            <p:txEl>
+                                              <p:pRg st="2" end="2"/>
+                                            </p:txEl>
+                                          </p:spTgt>
+                                        </p:tgtEl>
+                                      </p:cBhvr>
+                                    </p:animEffect>
+                                  </p:childTnLst>
+                                </p:cTn>
+                              </p:par>
+                            </p:childTnLst>
+                          </p:cTn>
+                        </p:par>
+                      </p:childTnLst>
+                    </p:cTn>
+                  </p:par>
+                  <p:par>
+                    <p:cTn id="16" fill="hold">
+                      <p:stCondLst>
+                        <p:cond delay="indefinite"/>
+                      </p:stCondLst>
+                      <p:childTnLst>
+                        <p:par>
+                          <p:cTn id="17" fill="hold">
+                            <p:stCondLst>
+                              <p:cond delay="0"/>
+                            </p:stCondLst>
+                            <p:childTnLst>
+                              <p:par>
+                                <p:cTn id="18" presetID="10" presetClass="entr" presetSubtype="0" fill="hold" grpId="0" nodeType="clickEffect">
+                                  <p:stCondLst>
+                                    <p:cond delay="0"/>
+                                  </p:stCondLst>
+                                  <p:childTnLst>
+                                    <p:set>
+                                      <p:cBhvr>
+                                        <p:cTn id="19" dur="1" fill="hold">
+                                          <p:stCondLst>
+                                            <p:cond delay="0"/>
+                                          </p:stCondLst>
+                                        </p:cTn>
+                                        <p:tgtEl>
+                                          <p:spTgt spid="3">
+                                            <p:txEl>
+                                              <p:pRg st="3" end="3"/>
+                                            </p:txEl>
+                                          </p:spTgt>
+                                        </p:tgtEl>
+                                        <p:attrNameLst>
+                                          <p:attrName>style.visibility</p:attrName>
+                                        </p:attrNameLst>
+                                      </p:cBhvr>
+                                      <p:to>
+                                        <p:strVal val="visible"/>
+                                      </p:to>
+                                    </p:set>
+                                    <p:animEffect transition="in" filter="fade">
+                                      <p:cBhvr>
+                                        <p:cTn id="20" dur="500"/>
+                                        <p:tgtEl>
+                                          <p:spTgt spid="3">
+                                            <p:txEl>
+                                              <p:pRg st="3" end="3"/>
+                                            </p:txEl>
+                                          </p:spTgt>
+                                        </p:tgtEl>
+                                      </p:cBhvr>
+                                    </p:animEffect>
+                                  </p:childTnLst>
+                                </p:cTn>
+                              </p:par>
+                            </p:childTnLst>
+                          </p:cTn>
+                        </p:par>
+                      </p:childTnLst>
+                    </p:cTn>
+                  </p:par>
+                  <p:par>
+                    <p:cTn id="21" fill="hold">
+                      <p:stCondLst>
+                        <p:cond delay="indefinite"/>
+                      </p:stCondLst>
+                      <p:childTnLst>
+                        <p:par>
+                          <p:cTn id="22" fill="hold">
+                            <p:stCondLst>
+                              <p:cond delay="0"/>
+                            </p:stCondLst>
+                            <p:childTnLst>
+                              <p:par>
+                                <p:cTn id="23" presetID="10" presetClass="entr" presetSubtype="0" fill="hold" grpId="0" nodeType="clickEffect">
+                                  <p:stCondLst>
+                                    <p:cond delay="0"/>
+                                  </p:stCondLst>
+                                  <p:childTnLst>
+                                    <p:set>
+                                      <p:cBhvr>
+                                        <p:cTn id="24" dur="1" fill="hold">
+                                          <p:stCondLst>
+                                            <p:cond delay="0"/>
+                                          </p:stCondLst>
+                                        </p:cTn>
+                                        <p:tgtEl>
+                                          <p:spTgt spid="3">
+                                            <p:txEl>
+                                              <p:pRg st="4" end="4"/>
+                                            </p:txEl>
+                                          </p:spTgt>
+                                        </p:tgtEl>
+                                        <p:attrNameLst>
+                                          <p:attrName>style.visibility</p:attrName>
+                                        </p:attrNameLst>
+                                      </p:cBhvr>
+                                      <p:to>
+                                        <p:strVal val="visible"/>
+                                      </p:to>
+                                    </p:set>
+                                    <p:animEffect transition="in" filter="fade">
+                                      <p:cBhvr>
+                                        <p:cTn id="25" dur="500"/>
+                                        <p:tgtEl>
+                                          <p:spTgt spid="3">
+                                            <p:txEl>
+                                              <p:pRg st="4" end="4"/>
+                                            </p:txEl>
+                                          </p:spTgt>
+                                        </p:tgtEl>
+                                      </p:cBhvr>
+                                    </p:animEffect>
+                                  </p:childTnLst>
+                                </p:cTn>
+                              </p:par>
+                              <p:par>
+                                <p:cTn id="26" presetID="10" presetClass="entr" presetSubtype="0" fill="hold" grpId="0" nodeType="withEffect">
+                                  <p:stCondLst>
+                                    <p:cond delay="0"/>
+                                  </p:stCondLst>
+                                  <p:childTnLst>
+                                    <p:set>
+                                      <p:cBhvr>
+                                        <p:cTn id="27" dur="1" fill="hold">
+                                          <p:stCondLst>
+                                            <p:cond delay="0"/>
+                                          </p:stCondLst>
+                                        </p:cTn>
+                                        <p:tgtEl>
+                                          <p:spTgt spid="3">
+                                            <p:txEl>
+                                              <p:pRg st="5" end="5"/>
+                                            </p:txEl>
+                                          </p:spTgt>
+                                        </p:tgtEl>
+                                        <p:attrNameLst>
+                                          <p:attrName>style.visibility</p:attrName>
+                                        </p:attrNameLst>
+                                      </p:cBhvr>
+                                      <p:to>
+                                        <p:strVal val="visible"/>
+                                      </p:to>
+                                    </p:set>
+                                    <p:animEffect transition="in" filter="fade">
+                                      <p:cBhvr>
+                                        <p:cTn id="28" dur="500"/>
+                                        <p:tgtEl>
+                                          <p:spTgt spid="3">
+                                            <p:txEl>
+                                              <p:pRg st="5" end="5"/>
+                                            </p:txEl>
+                                          </p:spTgt>
+                                        </p:tgtEl>
+                                      </p:cBhvr>
+                                    </p:animEffect>
+                                  </p:childTnLst>
+                                </p:cTn>
+                              </p:par>
+                            </p:childTnLst>
+                          </p:cTn>
+                        </p:par>
+                      </p:childTnLst>
+                    </p:cTn>
+                  </p:par>
+                  <p:par>
+                    <p:cTn id="29" fill="hold">
+                      <p:stCondLst>
+                        <p:cond delay="indefinite"/>
+                      </p:stCondLst>
+                      <p:childTnLst>
+                        <p:par>
+                          <p:cTn id="30" fill="hold">
+                            <p:stCondLst>
+                              <p:cond delay="0"/>
+                            </p:stCondLst>
+                            <p:childTnLst>
+                              <p:par>
+                                <p:cTn id="31" presetID="10" presetClass="entr" presetSubtype="0" fill="hold" grpId="0" nodeType="clickEffect">
+                                  <p:stCondLst>
+                                    <p:cond delay="0"/>
+                                  </p:stCondLst>
+                                  <p:childTnLst>
+                                    <p:set>
+                                      <p:cBhvr>
+                                        <p:cTn id="32" dur="1" fill="hold">
+                                          <p:stCondLst>
+                                            <p:cond delay="0"/>
+                                          </p:stCondLst>
+                                        </p:cTn>
+                                        <p:tgtEl>
+                                          <p:spTgt spid="3">
+                                            <p:txEl>
+                                              <p:pRg st="6" end="6"/>
+                                            </p:txEl>
+                                          </p:spTgt>
+                                        </p:tgtEl>
+                                        <p:attrNameLst>
+                                          <p:attrName>style.visibility</p:attrName>
+                                        </p:attrNameLst>
+                                      </p:cBhvr>
+                                      <p:to>
+                                        <p:strVal val="visible"/>
+                                      </p:to>
+                                    </p:set>
+                                    <p:animEffect transition="in" filter="fade">
+                                      <p:cBhvr>
+                                        <p:cTn id="33" dur="500"/>
+                                        <p:tgtEl>
+                                          <p:spTgt spid="3">
+                                            <p:txEl>
+                                              <p:pRg st="6" end="6"/>
+                                            </p:txEl>
+                                          </p:spTgt>
+                                        </p:tgtEl>
+                                      </p:cBhvr>
+                                    </p:animEffect>
+                                  </p:childTnLst>
+                                </p:cTn>
+                              </p:par>
+                            </p:childTnLst>
+                          </p:cTn>
+                        </p:par>
+                      </p:childTnLst>
+                    </p:cTn>
+                  </p:par>
+                </p:childTnLst>
+              </p:cTn>
+              <p:prevCondLst>
+                <p:cond evt="onPrev" delay="0">
+                  <p:tgtEl>
+                    <p:sldTgt/>
+                  </p:tgtEl>
+                </p:cond>
+              </p:prevCondLst>
+              <p:nextCondLst>
+                <p:cond evt="onNext" delay="0">
+                  <p:tgtEl>
+                    <p:sldTgt/>
+                  </p:tgtEl>
+                </p:cond>
+              </p:nextCondLst>
+            </p:seq>
+          </p:childTnLst>
+        </p:cTn>
+      </p:par>
+    </p:tnLst>
+    <p:bldLst>
+      <p:bldP spid="3" grpId="0" build="p"/>
+    </p:bldLst>
+  </p:timing>
 </p:sld>
 </file>
 
@@ -22341,15 +24205,6 @@
 </file>
 
 <file path=customXml/item1.xml><?xml version="1.0" encoding="utf-8"?>
-<?mso-contentType ?>
-<FormTemplates xmlns="http://schemas.microsoft.com/sharepoint/v3/contenttype/forms">
-  <Display>DocumentLibraryForm</Display>
-  <Edit>DocumentLibraryForm</Edit>
-  <New>DocumentLibraryForm</New>
-</FormTemplates>
-</file>
-
-<file path=customXml/item2.xml><?xml version="1.0" encoding="utf-8"?>
 <ct:contentTypeSchema xmlns:ct="http://schemas.microsoft.com/office/2006/metadata/contentType" xmlns:ma="http://schemas.microsoft.com/office/2006/metadata/properties/metaAttributes" ct:_="" ma:_="" ma:contentTypeName="Document" ma:contentTypeID="0x010100ABA223F759147049B9D8A25DED07DD24" ma:contentTypeVersion="14" ma:contentTypeDescription="Create a new document." ma:contentTypeScope="" ma:versionID="754cccfe17833f4d06e0267dc9c12ab7">
   <xsd:schema xmlns:xsd="http://www.w3.org/2001/XMLSchema" xmlns:xs="http://www.w3.org/2001/XMLSchema" xmlns:p="http://schemas.microsoft.com/office/2006/metadata/properties" xmlns:ns3="cc9255bc-4d99-4f42-bba5-857cbcc6e725" xmlns:ns4="fc2bff61-6a31-4c51-9f32-b9bba46405e5" targetNamespace="http://schemas.microsoft.com/office/2006/metadata/properties" ma:root="true" ma:fieldsID="e32414dc8724dfdc561355c14801bc84" ns3:_="" ns4:_="">
     <xsd:import namespace="cc9255bc-4d99-4f42-bba5-857cbcc6e725"/>
@@ -22578,6 +24433,15 @@
 </ct:contentTypeSchema>
 </file>
 
+<file path=customXml/item2.xml><?xml version="1.0" encoding="utf-8"?>
+<?mso-contentType ?>
+<FormTemplates xmlns="http://schemas.microsoft.com/sharepoint/v3/contenttype/forms">
+  <Display>DocumentLibraryForm</Display>
+  <Edit>DocumentLibraryForm</Edit>
+  <New>DocumentLibraryForm</New>
+</FormTemplates>
+</file>
+
 <file path=customXml/item3.xml><?xml version="1.0" encoding="utf-8"?>
 <p:properties xmlns:p="http://schemas.microsoft.com/office/2006/metadata/properties" xmlns:xsi="http://www.w3.org/2001/XMLSchema-instance" xmlns:pc="http://schemas.microsoft.com/office/infopath/2007/PartnerControls">
   <documentManagement/>
@@ -22585,14 +24449,6 @@
 </file>
 
 <file path=customXml/itemProps1.xml><?xml version="1.0" encoding="utf-8"?>
-<ds:datastoreItem xmlns:ds="http://schemas.openxmlformats.org/officeDocument/2006/customXml" ds:itemID="{FFF71063-750A-4F15-A0E6-049A2BA10D5D}">
-  <ds:schemaRefs>
-    <ds:schemaRef ds:uri="http://schemas.microsoft.com/sharepoint/v3/contenttype/forms"/>
-  </ds:schemaRefs>
-</ds:datastoreItem>
-</file>
-
-<file path=customXml/itemProps2.xml><?xml version="1.0" encoding="utf-8"?>
 <ds:datastoreItem xmlns:ds="http://schemas.openxmlformats.org/officeDocument/2006/customXml" ds:itemID="{B2D82F21-8668-4A3F-A308-37FA558F9F37}">
   <ds:schemaRefs>
     <ds:schemaRef ds:uri="http://schemas.microsoft.com/office/2006/metadata/contentType"/>
@@ -22607,6 +24463,14 @@
     <ds:schemaRef ds:uri="http://purl.org/dc/elements/1.1/"/>
     <ds:schemaRef ds:uri="http://purl.org/dc/terms/"/>
     <ds:schemaRef ds:uri="http://schemas.microsoft.com/internal/obd"/>
+  </ds:schemaRefs>
+</ds:datastoreItem>
+</file>
+
+<file path=customXml/itemProps2.xml><?xml version="1.0" encoding="utf-8"?>
+<ds:datastoreItem xmlns:ds="http://schemas.openxmlformats.org/officeDocument/2006/customXml" ds:itemID="{FFF71063-750A-4F15-A0E6-049A2BA10D5D}">
+  <ds:schemaRefs>
+    <ds:schemaRef ds:uri="http://schemas.microsoft.com/sharepoint/v3/contenttype/forms"/>
   </ds:schemaRefs>
 </ds:datastoreItem>
 </file>
